--- a/Pré-Projeto.pptx
+++ b/Pré-Projeto.pptx
@@ -5,15 +5,19 @@
     <p:sldMasterId id="2147483660" r:id="rId1"/>
   </p:sldMasterIdLst>
   <p:notesMasterIdLst>
-    <p:notesMasterId r:id="rId8"/>
+    <p:notesMasterId r:id="rId12"/>
   </p:notesMasterIdLst>
   <p:sldIdLst>
     <p:sldId id="256" r:id="rId2"/>
-    <p:sldId id="257" r:id="rId3"/>
-    <p:sldId id="258" r:id="rId4"/>
-    <p:sldId id="259" r:id="rId5"/>
-    <p:sldId id="260" r:id="rId6"/>
-    <p:sldId id="261" r:id="rId7"/>
+    <p:sldId id="264" r:id="rId3"/>
+    <p:sldId id="263" r:id="rId4"/>
+    <p:sldId id="257" r:id="rId5"/>
+    <p:sldId id="262" r:id="rId6"/>
+    <p:sldId id="258" r:id="rId7"/>
+    <p:sldId id="259" r:id="rId8"/>
+    <p:sldId id="260" r:id="rId9"/>
+    <p:sldId id="261" r:id="rId10"/>
+    <p:sldId id="265" r:id="rId11"/>
   </p:sldIdLst>
   <p:sldSz cx="12192000" cy="6858000"/>
   <p:notesSz cx="6858000" cy="9144000"/>
@@ -120,9 +124,19 @@
             <p14:sldId id="256"/>
           </p14:sldIdLst>
         </p14:section>
+        <p14:section name="o que é marketing place" id="{FC7C9DAF-8003-493B-8177-498B7643C477}">
+          <p14:sldIdLst>
+            <p14:sldId id="264"/>
+            <p14:sldId id="263"/>
+          </p14:sldIdLst>
+        </p14:section>
+        <p14:section name="Seção sem Título" id="{0457B88D-CF46-49DB-8E50-45E09E170E9F}">
+          <p14:sldIdLst/>
+        </p14:section>
         <p14:section name="imagens do site e explicação dos elementos incluidos" id="{A1499D35-D26B-4C5E-8EB0-51068A5F6DA7}">
           <p14:sldIdLst>
             <p14:sldId id="257"/>
+            <p14:sldId id="262"/>
             <p14:sldId id="258"/>
             <p14:sldId id="259"/>
           </p14:sldIdLst>
@@ -135,6 +149,11 @@
         <p14:section name="modelo do resultado" id="{E0B086D6-48EF-4828-AE1B-084B415055C7}">
           <p14:sldIdLst>
             <p14:sldId id="261"/>
+          </p14:sldIdLst>
+        </p14:section>
+        <p14:section name="fontes" id="{1ADA4287-0F91-4B64-AF48-52AF09269971}">
+          <p14:sldIdLst>
+            <p14:sldId id="265"/>
           </p14:sldIdLst>
         </p14:section>
       </p14:sectionLst>
@@ -228,7 +247,7 @@
           <a:p>
             <a:fld id="{7FB10905-BB9D-458C-A5EC-F811D1D706CC}" type="datetimeFigureOut">
               <a:rPr lang="pt-BR" smtClean="0"/>
-              <a:t>29/02/2024</a:t>
+              <a:t>06/03/2024</a:t>
             </a:fld>
             <a:endParaRPr lang="pt-BR"/>
           </a:p>
@@ -626,7 +645,7 @@
           <a:p>
             <a:fld id="{9EA17409-2594-40AD-8915-2C1F586D6F07}" type="datetimeFigureOut">
               <a:rPr lang="pt-BR" smtClean="0"/>
-              <a:t>29/02/2024</a:t>
+              <a:t>06/03/2024</a:t>
             </a:fld>
             <a:endParaRPr lang="pt-BR"/>
           </a:p>
@@ -796,7 +815,7 @@
           <a:p>
             <a:fld id="{9EA17409-2594-40AD-8915-2C1F586D6F07}" type="datetimeFigureOut">
               <a:rPr lang="pt-BR" smtClean="0"/>
-              <a:t>29/02/2024</a:t>
+              <a:t>06/03/2024</a:t>
             </a:fld>
             <a:endParaRPr lang="pt-BR"/>
           </a:p>
@@ -976,7 +995,7 @@
           <a:p>
             <a:fld id="{9EA17409-2594-40AD-8915-2C1F586D6F07}" type="datetimeFigureOut">
               <a:rPr lang="pt-BR" smtClean="0"/>
-              <a:t>29/02/2024</a:t>
+              <a:t>06/03/2024</a:t>
             </a:fld>
             <a:endParaRPr lang="pt-BR"/>
           </a:p>
@@ -1146,7 +1165,7 @@
           <a:p>
             <a:fld id="{9EA17409-2594-40AD-8915-2C1F586D6F07}" type="datetimeFigureOut">
               <a:rPr lang="pt-BR" smtClean="0"/>
-              <a:t>29/02/2024</a:t>
+              <a:t>06/03/2024</a:t>
             </a:fld>
             <a:endParaRPr lang="pt-BR"/>
           </a:p>
@@ -1392,7 +1411,7 @@
           <a:p>
             <a:fld id="{9EA17409-2594-40AD-8915-2C1F586D6F07}" type="datetimeFigureOut">
               <a:rPr lang="pt-BR" smtClean="0"/>
-              <a:t>29/02/2024</a:t>
+              <a:t>06/03/2024</a:t>
             </a:fld>
             <a:endParaRPr lang="pt-BR"/>
           </a:p>
@@ -1624,7 +1643,7 @@
           <a:p>
             <a:fld id="{9EA17409-2594-40AD-8915-2C1F586D6F07}" type="datetimeFigureOut">
               <a:rPr lang="pt-BR" smtClean="0"/>
-              <a:t>29/02/2024</a:t>
+              <a:t>06/03/2024</a:t>
             </a:fld>
             <a:endParaRPr lang="pt-BR"/>
           </a:p>
@@ -1991,7 +2010,7 @@
           <a:p>
             <a:fld id="{9EA17409-2594-40AD-8915-2C1F586D6F07}" type="datetimeFigureOut">
               <a:rPr lang="pt-BR" smtClean="0"/>
-              <a:t>29/02/2024</a:t>
+              <a:t>06/03/2024</a:t>
             </a:fld>
             <a:endParaRPr lang="pt-BR"/>
           </a:p>
@@ -2109,7 +2128,7 @@
           <a:p>
             <a:fld id="{9EA17409-2594-40AD-8915-2C1F586D6F07}" type="datetimeFigureOut">
               <a:rPr lang="pt-BR" smtClean="0"/>
-              <a:t>29/02/2024</a:t>
+              <a:t>06/03/2024</a:t>
             </a:fld>
             <a:endParaRPr lang="pt-BR"/>
           </a:p>
@@ -2204,7 +2223,7 @@
           <a:p>
             <a:fld id="{9EA17409-2594-40AD-8915-2C1F586D6F07}" type="datetimeFigureOut">
               <a:rPr lang="pt-BR" smtClean="0"/>
-              <a:t>29/02/2024</a:t>
+              <a:t>06/03/2024</a:t>
             </a:fld>
             <a:endParaRPr lang="pt-BR"/>
           </a:p>
@@ -2481,7 +2500,7 @@
           <a:p>
             <a:fld id="{9EA17409-2594-40AD-8915-2C1F586D6F07}" type="datetimeFigureOut">
               <a:rPr lang="pt-BR" smtClean="0"/>
-              <a:t>29/02/2024</a:t>
+              <a:t>06/03/2024</a:t>
             </a:fld>
             <a:endParaRPr lang="pt-BR"/>
           </a:p>
@@ -2738,7 +2757,7 @@
           <a:p>
             <a:fld id="{9EA17409-2594-40AD-8915-2C1F586D6F07}" type="datetimeFigureOut">
               <a:rPr lang="pt-BR" smtClean="0"/>
-              <a:t>29/02/2024</a:t>
+              <a:t>06/03/2024</a:t>
             </a:fld>
             <a:endParaRPr lang="pt-BR"/>
           </a:p>
@@ -2951,7 +2970,7 @@
           <a:p>
             <a:fld id="{9EA17409-2594-40AD-8915-2C1F586D6F07}" type="datetimeFigureOut">
               <a:rPr lang="pt-BR" smtClean="0"/>
-              <a:t>29/02/2024</a:t>
+              <a:t>06/03/2024</a:t>
             </a:fld>
             <a:endParaRPr lang="pt-BR"/>
           </a:p>
@@ -3473,6 +3492,107 @@
 </p:sld>
 </file>
 
+<file path=ppt/slides/slide10.xml><?xml version="1.0" encoding="utf-8"?>
+<p:sld xmlns:a="http://schemas.openxmlformats.org/drawingml/2006/main" xmlns:r="http://schemas.openxmlformats.org/officeDocument/2006/relationships" xmlns:p="http://schemas.openxmlformats.org/presentationml/2006/main">
+  <p:cSld>
+    <p:spTree>
+      <p:nvGrpSpPr>
+        <p:cNvPr id="1" name=""/>
+        <p:cNvGrpSpPr/>
+        <p:nvPr/>
+      </p:nvGrpSpPr>
+      <p:grpSpPr>
+        <a:xfrm>
+          <a:off x="0" y="0"/>
+          <a:ext cx="0" cy="0"/>
+          <a:chOff x="0" y="0"/>
+          <a:chExt cx="0" cy="0"/>
+        </a:xfrm>
+      </p:grpSpPr>
+      <p:sp>
+        <p:nvSpPr>
+          <p:cNvPr id="2" name="Título 1">
+            <a:extLst>
+              <a:ext uri="{FF2B5EF4-FFF2-40B4-BE49-F238E27FC236}">
+                <a16:creationId xmlns:a16="http://schemas.microsoft.com/office/drawing/2014/main" id="{EA2F570D-C7F9-616F-270B-99D7FB9823A5}"/>
+              </a:ext>
+            </a:extLst>
+          </p:cNvPr>
+          <p:cNvSpPr>
+            <a:spLocks noGrp="1"/>
+          </p:cNvSpPr>
+          <p:nvPr>
+            <p:ph type="title"/>
+          </p:nvPr>
+        </p:nvSpPr>
+        <p:spPr/>
+        <p:txBody>
+          <a:bodyPr/>
+          <a:lstStyle/>
+          <a:p>
+            <a:r>
+              <a:rPr lang="pt-BR" dirty="0"/>
+              <a:t>fontes</a:t>
+            </a:r>
+          </a:p>
+        </p:txBody>
+      </p:sp>
+      <p:sp>
+        <p:nvSpPr>
+          <p:cNvPr id="3" name="Espaço Reservado para Conteúdo 2">
+            <a:extLst>
+              <a:ext uri="{FF2B5EF4-FFF2-40B4-BE49-F238E27FC236}">
+                <a16:creationId xmlns:a16="http://schemas.microsoft.com/office/drawing/2014/main" id="{F5F8BF76-A0EC-E083-D4DC-054026A8C0CA}"/>
+              </a:ext>
+            </a:extLst>
+          </p:cNvPr>
+          <p:cNvSpPr>
+            <a:spLocks noGrp="1"/>
+          </p:cNvSpPr>
+          <p:nvPr>
+            <p:ph idx="1"/>
+          </p:nvPr>
+        </p:nvSpPr>
+        <p:spPr>
+          <a:ln>
+            <a:solidFill>
+              <a:schemeClr val="tx1"/>
+            </a:solidFill>
+          </a:ln>
+        </p:spPr>
+        <p:txBody>
+          <a:bodyPr/>
+          <a:lstStyle/>
+          <a:p>
+            <a:pPr marL="0" indent="0">
+              <a:buNone/>
+            </a:pPr>
+            <a:r>
+              <a:rPr lang="pt-BR" sz="2000" dirty="0"/>
+              <a:t>https://pagar.me/blog/marketplace/?utm_source=google&amp;utm_medium=cpc&amp;utm_campaign=dsa&amp;origin=search&amp;media=google&amp;type=pago&amp;campaign=11366699401&amp;ad_group=118179479464&amp;ad=651857057688&amp;theme=&amp;gad_source=1&amp;gclid=EAIaIQobChMIiNarjPPfhAMVLWFIAB04Qw4lEAAYASAAEgKBIvD_BwE</a:t>
+            </a:r>
+          </a:p>
+          <a:p>
+            <a:pPr marL="0" indent="0">
+              <a:buNone/>
+            </a:pPr>
+            <a:endParaRPr lang="pt-BR" sz="2000" dirty="0"/>
+          </a:p>
+        </p:txBody>
+      </p:sp>
+    </p:spTree>
+    <p:extLst>
+      <p:ext uri="{BB962C8B-B14F-4D97-AF65-F5344CB8AC3E}">
+        <p14:creationId xmlns:p14="http://schemas.microsoft.com/office/powerpoint/2010/main" val="2292628636"/>
+      </p:ext>
+    </p:extLst>
+  </p:cSld>
+  <p:clrMapOvr>
+    <a:masterClrMapping/>
+  </p:clrMapOvr>
+</p:sld>
+</file>
+
 <file path=ppt/slides/slide2.xml><?xml version="1.0" encoding="utf-8"?>
 <p:sld xmlns:a="http://schemas.openxmlformats.org/drawingml/2006/main" xmlns:r="http://schemas.openxmlformats.org/officeDocument/2006/relationships" xmlns:p="http://schemas.openxmlformats.org/presentationml/2006/main">
   <p:cSld>
@@ -3490,125 +3610,155 @@
           <a:chExt cx="0" cy="0"/>
         </a:xfrm>
       </p:grpSpPr>
-      <p:pic>
-        <p:nvPicPr>
-          <p:cNvPr id="5" name="Imagem 4">
+      <p:sp>
+        <p:nvSpPr>
+          <p:cNvPr id="2" name="Título 1">
             <a:extLst>
               <a:ext uri="{FF2B5EF4-FFF2-40B4-BE49-F238E27FC236}">
-                <a16:creationId xmlns:a16="http://schemas.microsoft.com/office/drawing/2014/main" id="{75669726-F25E-AB14-E78E-B61940EE9195}"/>
+                <a16:creationId xmlns:a16="http://schemas.microsoft.com/office/drawing/2014/main" id="{54A6693A-0B60-9E15-DAF2-A8076EDA3D6C}"/>
               </a:ext>
             </a:extLst>
           </p:cNvPr>
-          <p:cNvPicPr>
-            <a:picLocks noChangeAspect="1"/>
-          </p:cNvPicPr>
-          <p:nvPr/>
-        </p:nvPicPr>
-        <p:blipFill rotWithShape="1">
-          <a:blip r:embed="rId2"/>
-          <a:srcRect l="3808" t="10853" r="1115" b="59799"/>
-          <a:stretch/>
-        </p:blipFill>
+          <p:cNvSpPr>
+            <a:spLocks noGrp="1"/>
+          </p:cNvSpPr>
+          <p:nvPr>
+            <p:ph type="title"/>
+          </p:nvPr>
+        </p:nvSpPr>
+        <p:spPr/>
+        <p:txBody>
+          <a:bodyPr/>
+          <a:lstStyle/>
+          <a:p>
+            <a:r>
+              <a:rPr lang="pt-BR" dirty="0" err="1"/>
+              <a:t>Maket</a:t>
+            </a:r>
+            <a:r>
+              <a:rPr lang="pt-BR" dirty="0"/>
+              <a:t> place</a:t>
+            </a:r>
+          </a:p>
+        </p:txBody>
+      </p:sp>
+      <p:sp>
+        <p:nvSpPr>
+          <p:cNvPr id="3" name="Espaço Reservado para Conteúdo 2">
+            <a:extLst>
+              <a:ext uri="{FF2B5EF4-FFF2-40B4-BE49-F238E27FC236}">
+                <a16:creationId xmlns:a16="http://schemas.microsoft.com/office/drawing/2014/main" id="{A579BC9D-0267-BEDF-2499-D584CFF57D5F}"/>
+              </a:ext>
+            </a:extLst>
+          </p:cNvPr>
+          <p:cNvSpPr>
+            <a:spLocks noGrp="1"/>
+          </p:cNvSpPr>
+          <p:nvPr>
+            <p:ph idx="1"/>
+          </p:nvPr>
+        </p:nvSpPr>
         <p:spPr>
           <a:xfrm>
-            <a:off x="300111" y="365761"/>
-            <a:ext cx="11591778" cy="2011680"/>
+            <a:off x="838200" y="1825625"/>
+            <a:ext cx="10689236" cy="4844998"/>
           </a:xfrm>
-          <a:prstGeom prst="rect">
-            <a:avLst/>
-          </a:prstGeom>
+          <a:solidFill>
+            <a:schemeClr val="bg1"/>
+          </a:solidFill>
           <a:ln>
             <a:solidFill>
               <a:schemeClr val="tx1"/>
             </a:solidFill>
           </a:ln>
         </p:spPr>
-      </p:pic>
-      <p:sp>
-        <p:nvSpPr>
-          <p:cNvPr id="6" name="CaixaDeTexto 5">
-            <a:extLst>
-              <a:ext uri="{FF2B5EF4-FFF2-40B4-BE49-F238E27FC236}">
-                <a16:creationId xmlns:a16="http://schemas.microsoft.com/office/drawing/2014/main" id="{2D88A7D8-1820-2AEA-2D7F-A3C991C0FE3A}"/>
-              </a:ext>
-            </a:extLst>
-          </p:cNvPr>
-          <p:cNvSpPr txBox="1"/>
-          <p:nvPr/>
-        </p:nvSpPr>
-        <p:spPr>
-          <a:xfrm>
-            <a:off x="300111" y="2468880"/>
-            <a:ext cx="11591778" cy="2062103"/>
-          </a:xfrm>
-          <a:prstGeom prst="rect">
-            <a:avLst/>
-          </a:prstGeom>
-          <a:noFill/>
-          <a:ln>
-            <a:solidFill>
-              <a:schemeClr val="tx1"/>
-            </a:solidFill>
-          </a:ln>
-        </p:spPr>
-        <p:txBody>
-          <a:bodyPr wrap="square" rtlCol="0">
-            <a:spAutoFit/>
+        <p:txBody>
+          <a:bodyPr>
+            <a:normAutofit/>
           </a:bodyPr>
           <a:lstStyle/>
           <a:p>
+            <a:r>
+              <a:rPr lang="pt-BR" sz="1800" b="0" i="0" dirty="0">
+                <a:effectLst/>
+                <a:latin typeface="Lato" panose="020F0502020204030204" pitchFamily="34" charset="0"/>
+              </a:rPr>
+              <a:t>[...] “O </a:t>
+            </a:r>
+            <a:r>
+              <a:rPr lang="pt-BR" sz="1800" b="1" i="0" dirty="0">
+                <a:effectLst/>
+                <a:latin typeface="Lato" panose="020F0502020204030204" pitchFamily="34" charset="0"/>
+              </a:rPr>
+              <a:t>marketplace</a:t>
+            </a:r>
+            <a:r>
+              <a:rPr lang="pt-BR" sz="1800" b="0" i="0" dirty="0">
+                <a:effectLst/>
+                <a:latin typeface="Lato" panose="020F0502020204030204" pitchFamily="34" charset="0"/>
+              </a:rPr>
+              <a:t> é um modelo de negócio que revolucionou o varejo online, conectando diferentes lojistas a clientes.”</a:t>
+            </a:r>
+          </a:p>
+          <a:p>
+            <a:pPr marL="0" indent="0">
+              <a:buNone/>
+            </a:pPr>
+            <a:r>
+              <a:rPr lang="pt-BR" sz="1800" dirty="0">
+                <a:latin typeface="Lato" panose="020F0502020204030204" pitchFamily="34" charset="0"/>
+              </a:rPr>
+              <a:t>    [...]</a:t>
+            </a:r>
+          </a:p>
+          <a:p>
+            <a:r>
+              <a:rPr lang="pt-BR" sz="1600" b="0" i="0" dirty="0">
+                <a:effectLst/>
+                <a:latin typeface="Lato" panose="020F0502020204030203" pitchFamily="34" charset="0"/>
+              </a:rPr>
+              <a:t>“Além disso, essa modalidade de vendas é uma das preferidas dos consumidores. De acordo com a pesquisa da empresa francesa Mirakl, 86% dos brasileiros identificam os marketplaces como a forma mais satisfatória de </a:t>
+            </a:r>
+            <a:r>
+              <a:rPr lang="pt-BR" sz="1600" b="1" i="0" dirty="0">
+                <a:effectLst/>
+                <a:latin typeface="Lato" panose="020F0502020204030203" pitchFamily="34" charset="0"/>
+              </a:rPr>
+              <a:t>realizar compras online.”</a:t>
+            </a:r>
+            <a:endParaRPr lang="pt-BR" sz="1600" b="0" i="0" dirty="0">
+              <a:effectLst/>
+              <a:latin typeface="Lato" panose="020F0502020204030203" pitchFamily="34" charset="0"/>
+            </a:endParaRPr>
+          </a:p>
+          <a:p>
+            <a:r>
+              <a:rPr lang="pt-BR" sz="2000" b="0" i="0" dirty="0">
+                <a:effectLst/>
+                <a:latin typeface="Lato" panose="020F0502020204030203" pitchFamily="34" charset="0"/>
+              </a:rPr>
+              <a:t>[...] “Mas não é apenas isso. Esse modelo de comércio online também apresenta vantagens para o consumidor: com os marketplaces, os usuários podem encontrar diversos produtos, marcas e lojas em um único lugar, tendo uma experiência de compra facilitada.”</a:t>
+            </a:r>
             <a:endParaRPr lang="pt-BR" sz="3200" dirty="0"/>
           </a:p>
           <a:p>
-            <a:r>
-              <a:rPr lang="pt-BR" sz="3200" dirty="0"/>
-              <a:t>Esse é o header do meu site, ainda não tem uma logo e nem o carrinho de compras por enquanto </a:t>
-            </a:r>
-          </a:p>
-          <a:p>
-            <a:endParaRPr lang="pt-BR" sz="3200" dirty="0"/>
-          </a:p>
-        </p:txBody>
-      </p:sp>
-      <p:sp>
-        <p:nvSpPr>
-          <p:cNvPr id="7" name="CaixaDeTexto 6">
-            <a:extLst>
-              <a:ext uri="{FF2B5EF4-FFF2-40B4-BE49-F238E27FC236}">
-                <a16:creationId xmlns:a16="http://schemas.microsoft.com/office/drawing/2014/main" id="{7E5803A7-E3EB-17D1-09C7-C875C45873AF}"/>
-              </a:ext>
-            </a:extLst>
-          </p:cNvPr>
-          <p:cNvSpPr txBox="1"/>
-          <p:nvPr/>
-        </p:nvSpPr>
-        <p:spPr>
-          <a:xfrm>
-            <a:off x="300111" y="5291910"/>
-            <a:ext cx="11591778" cy="1200329"/>
-          </a:xfrm>
-          <a:prstGeom prst="rect">
-            <a:avLst/>
-          </a:prstGeom>
-          <a:noFill/>
-        </p:spPr>
-        <p:txBody>
-          <a:bodyPr wrap="square" rtlCol="0">
-            <a:spAutoFit/>
-          </a:bodyPr>
-          <a:lstStyle/>
-          <a:p>
-            <a:r>
-              <a:rPr lang="pt-BR" sz="2400" dirty="0"/>
-              <a:t>*Header: é basicamente o cabeçalho de um site, e nele ficam coisas que aparecem logo no começo de um site como por exemplo, o carrinho de compras, login, criar conta, e nem sempre uma logo.</a:t>
-            </a:r>
+            <a:endParaRPr lang="pt-BR" sz="1400" dirty="0"/>
+          </a:p>
+          <a:p>
+            <a:endParaRPr lang="pt-BR" sz="1400" dirty="0"/>
+          </a:p>
+          <a:p>
+            <a:endParaRPr lang="pt-BR" sz="1400" dirty="0"/>
+          </a:p>
+          <a:p>
+            <a:endParaRPr lang="pt-BR" sz="1400" dirty="0"/>
           </a:p>
         </p:txBody>
       </p:sp>
     </p:spTree>
     <p:extLst>
       <p:ext uri="{BB962C8B-B14F-4D97-AF65-F5344CB8AC3E}">
-        <p14:creationId xmlns:p14="http://schemas.microsoft.com/office/powerpoint/2010/main" val="2798114166"/>
+        <p14:creationId xmlns:p14="http://schemas.microsoft.com/office/powerpoint/2010/main" val="1765170507"/>
       </p:ext>
     </p:extLst>
   </p:cSld>
@@ -3637,6 +3787,425 @@
       </p:grpSpPr>
       <p:sp>
         <p:nvSpPr>
+          <p:cNvPr id="2" name="Título 1">
+            <a:extLst>
+              <a:ext uri="{FF2B5EF4-FFF2-40B4-BE49-F238E27FC236}">
+                <a16:creationId xmlns:a16="http://schemas.microsoft.com/office/drawing/2014/main" id="{1A250ABC-115F-005C-ADAE-8BF08D0328EF}"/>
+              </a:ext>
+            </a:extLst>
+          </p:cNvPr>
+          <p:cNvSpPr>
+            <a:spLocks noGrp="1"/>
+          </p:cNvSpPr>
+          <p:nvPr>
+            <p:ph type="title"/>
+          </p:nvPr>
+        </p:nvSpPr>
+        <p:spPr/>
+        <p:txBody>
+          <a:bodyPr/>
+          <a:lstStyle/>
+          <a:p>
+            <a:r>
+              <a:rPr lang="pt-BR" dirty="0"/>
+              <a:t>O que é marketing place</a:t>
+            </a:r>
+          </a:p>
+        </p:txBody>
+      </p:sp>
+      <p:sp>
+        <p:nvSpPr>
+          <p:cNvPr id="3" name="Espaço Reservado para Conteúdo 2">
+            <a:extLst>
+              <a:ext uri="{FF2B5EF4-FFF2-40B4-BE49-F238E27FC236}">
+                <a16:creationId xmlns:a16="http://schemas.microsoft.com/office/drawing/2014/main" id="{8CF68B1D-DCE8-B76C-B6D9-65333777613F}"/>
+              </a:ext>
+            </a:extLst>
+          </p:cNvPr>
+          <p:cNvSpPr>
+            <a:spLocks noGrp="1"/>
+          </p:cNvSpPr>
+          <p:nvPr>
+            <p:ph idx="1"/>
+          </p:nvPr>
+        </p:nvSpPr>
+        <p:spPr>
+          <a:ln>
+            <a:solidFill>
+              <a:schemeClr val="tx1"/>
+            </a:solidFill>
+          </a:ln>
+        </p:spPr>
+        <p:txBody>
+          <a:bodyPr/>
+          <a:lstStyle/>
+          <a:p>
+            <a:r>
+              <a:rPr lang="pt-BR" sz="2800" dirty="0"/>
+              <a:t>[...]</a:t>
+            </a:r>
+            <a:r>
+              <a:rPr lang="pt-BR" sz="3600" dirty="0"/>
+              <a:t> “</a:t>
+            </a:r>
+            <a:r>
+              <a:rPr lang="pt-BR" sz="2800" b="0" i="0" dirty="0">
+                <a:effectLst/>
+                <a:latin typeface="Lato" panose="020F0502020204030203" pitchFamily="34" charset="0"/>
+              </a:rPr>
+              <a:t>Existem três partes envolvidas no funcionamento de um marketplace: os donos ou administradores do marketplace, os lojistas e os consumidores.”</a:t>
+            </a:r>
+            <a:endParaRPr lang="pt-BR" sz="1600" dirty="0"/>
+          </a:p>
+          <a:p>
+            <a:endParaRPr lang="pt-BR" dirty="0"/>
+          </a:p>
+        </p:txBody>
+      </p:sp>
+    </p:spTree>
+    <p:extLst>
+      <p:ext uri="{BB962C8B-B14F-4D97-AF65-F5344CB8AC3E}">
+        <p14:creationId xmlns:p14="http://schemas.microsoft.com/office/powerpoint/2010/main" val="1094078505"/>
+      </p:ext>
+    </p:extLst>
+  </p:cSld>
+  <p:clrMapOvr>
+    <a:masterClrMapping/>
+  </p:clrMapOvr>
+</p:sld>
+</file>
+
+<file path=ppt/slides/slide4.xml><?xml version="1.0" encoding="utf-8"?>
+<p:sld xmlns:a="http://schemas.openxmlformats.org/drawingml/2006/main" xmlns:r="http://schemas.openxmlformats.org/officeDocument/2006/relationships" xmlns:p="http://schemas.openxmlformats.org/presentationml/2006/main">
+  <p:cSld>
+    <p:spTree>
+      <p:nvGrpSpPr>
+        <p:cNvPr id="1" name=""/>
+        <p:cNvGrpSpPr/>
+        <p:nvPr/>
+      </p:nvGrpSpPr>
+      <p:grpSpPr>
+        <a:xfrm>
+          <a:off x="0" y="0"/>
+          <a:ext cx="0" cy="0"/>
+          <a:chOff x="0" y="0"/>
+          <a:chExt cx="0" cy="0"/>
+        </a:xfrm>
+      </p:grpSpPr>
+      <p:sp>
+        <p:nvSpPr>
+          <p:cNvPr id="6" name="CaixaDeTexto 5">
+            <a:extLst>
+              <a:ext uri="{FF2B5EF4-FFF2-40B4-BE49-F238E27FC236}">
+                <a16:creationId xmlns:a16="http://schemas.microsoft.com/office/drawing/2014/main" id="{2D88A7D8-1820-2AEA-2D7F-A3C991C0FE3A}"/>
+              </a:ext>
+            </a:extLst>
+          </p:cNvPr>
+          <p:cNvSpPr txBox="1"/>
+          <p:nvPr/>
+        </p:nvSpPr>
+        <p:spPr>
+          <a:xfrm>
+            <a:off x="300111" y="2468880"/>
+            <a:ext cx="11591778" cy="2062103"/>
+          </a:xfrm>
+          <a:prstGeom prst="rect">
+            <a:avLst/>
+          </a:prstGeom>
+          <a:noFill/>
+          <a:ln>
+            <a:solidFill>
+              <a:schemeClr val="tx1"/>
+            </a:solidFill>
+          </a:ln>
+        </p:spPr>
+        <p:txBody>
+          <a:bodyPr wrap="square" rtlCol="0">
+            <a:spAutoFit/>
+          </a:bodyPr>
+          <a:lstStyle/>
+          <a:p>
+            <a:endParaRPr lang="pt-BR" sz="3200" dirty="0"/>
+          </a:p>
+          <a:p>
+            <a:r>
+              <a:rPr lang="pt-BR" sz="3200" dirty="0"/>
+              <a:t>Esse é o header do meu site, ainda não funciona por conta da falta de um banco de dados por enquanto</a:t>
+            </a:r>
+          </a:p>
+          <a:p>
+            <a:endParaRPr lang="pt-BR" sz="3200" dirty="0"/>
+          </a:p>
+        </p:txBody>
+      </p:sp>
+      <p:sp>
+        <p:nvSpPr>
+          <p:cNvPr id="7" name="CaixaDeTexto 6">
+            <a:extLst>
+              <a:ext uri="{FF2B5EF4-FFF2-40B4-BE49-F238E27FC236}">
+                <a16:creationId xmlns:a16="http://schemas.microsoft.com/office/drawing/2014/main" id="{7E5803A7-E3EB-17D1-09C7-C875C45873AF}"/>
+              </a:ext>
+            </a:extLst>
+          </p:cNvPr>
+          <p:cNvSpPr txBox="1"/>
+          <p:nvPr/>
+        </p:nvSpPr>
+        <p:spPr>
+          <a:xfrm>
+            <a:off x="300111" y="4530983"/>
+            <a:ext cx="11591778" cy="1200329"/>
+          </a:xfrm>
+          <a:prstGeom prst="rect">
+            <a:avLst/>
+          </a:prstGeom>
+          <a:noFill/>
+        </p:spPr>
+        <p:txBody>
+          <a:bodyPr wrap="square" rtlCol="0">
+            <a:spAutoFit/>
+          </a:bodyPr>
+          <a:lstStyle/>
+          <a:p>
+            <a:r>
+              <a:rPr lang="pt-BR" sz="2400" dirty="0"/>
+              <a:t>*Header: é basicamente o cabeçalho de um site, e nele ficam coisas que aparecem logo no começo de um site como por exemplo, o carrinho de compras, login, criar conta, e nem sempre uma logo.</a:t>
+            </a:r>
+          </a:p>
+        </p:txBody>
+      </p:sp>
+      <p:pic>
+        <p:nvPicPr>
+          <p:cNvPr id="3" name="Imagem 2">
+            <a:extLst>
+              <a:ext uri="{FF2B5EF4-FFF2-40B4-BE49-F238E27FC236}">
+                <a16:creationId xmlns:a16="http://schemas.microsoft.com/office/drawing/2014/main" id="{FE96C6A8-6B1D-CBB9-3E2D-662357BE0320}"/>
+              </a:ext>
+            </a:extLst>
+          </p:cNvPr>
+          <p:cNvPicPr>
+            <a:picLocks noChangeAspect="1"/>
+          </p:cNvPicPr>
+          <p:nvPr/>
+        </p:nvPicPr>
+        <p:blipFill rotWithShape="1">
+          <a:blip r:embed="rId2"/>
+          <a:srcRect l="3691" t="10497" r="1232" b="69893"/>
+          <a:stretch/>
+        </p:blipFill>
+        <p:spPr>
+          <a:xfrm>
+            <a:off x="300112" y="719528"/>
+            <a:ext cx="11591778" cy="1344250"/>
+          </a:xfrm>
+          <a:prstGeom prst="rect">
+            <a:avLst/>
+          </a:prstGeom>
+        </p:spPr>
+      </p:pic>
+      <p:sp>
+        <p:nvSpPr>
+          <p:cNvPr id="4" name="CaixaDeTexto 3">
+            <a:extLst>
+              <a:ext uri="{FF2B5EF4-FFF2-40B4-BE49-F238E27FC236}">
+                <a16:creationId xmlns:a16="http://schemas.microsoft.com/office/drawing/2014/main" id="{11E45953-36D7-6907-15EF-2FCBB977435F}"/>
+              </a:ext>
+            </a:extLst>
+          </p:cNvPr>
+          <p:cNvSpPr txBox="1"/>
+          <p:nvPr/>
+        </p:nvSpPr>
+        <p:spPr>
+          <a:xfrm>
+            <a:off x="300111" y="5731312"/>
+            <a:ext cx="9323130" cy="461665"/>
+          </a:xfrm>
+          <a:prstGeom prst="rect">
+            <a:avLst/>
+          </a:prstGeom>
+          <a:noFill/>
+        </p:spPr>
+        <p:txBody>
+          <a:bodyPr wrap="none" rtlCol="0">
+            <a:spAutoFit/>
+          </a:bodyPr>
+          <a:lstStyle/>
+          <a:p>
+            <a:r>
+              <a:rPr lang="pt-BR" sz="2400" dirty="0"/>
+              <a:t>*Banco de dados: é o lugar que fica armazenado os dados do site/página.</a:t>
+            </a:r>
+            <a:endParaRPr lang="pt-BR" dirty="0"/>
+          </a:p>
+        </p:txBody>
+      </p:sp>
+    </p:spTree>
+    <p:extLst>
+      <p:ext uri="{BB962C8B-B14F-4D97-AF65-F5344CB8AC3E}">
+        <p14:creationId xmlns:p14="http://schemas.microsoft.com/office/powerpoint/2010/main" val="2798114166"/>
+      </p:ext>
+    </p:extLst>
+  </p:cSld>
+  <p:clrMapOvr>
+    <a:masterClrMapping/>
+  </p:clrMapOvr>
+</p:sld>
+</file>
+
+<file path=ppt/slides/slide5.xml><?xml version="1.0" encoding="utf-8"?>
+<p:sld xmlns:a="http://schemas.openxmlformats.org/drawingml/2006/main" xmlns:r="http://schemas.openxmlformats.org/officeDocument/2006/relationships" xmlns:p="http://schemas.openxmlformats.org/presentationml/2006/main">
+  <p:cSld>
+    <p:spTree>
+      <p:nvGrpSpPr>
+        <p:cNvPr id="1" name=""/>
+        <p:cNvGrpSpPr/>
+        <p:nvPr/>
+      </p:nvGrpSpPr>
+      <p:grpSpPr>
+        <a:xfrm>
+          <a:off x="0" y="0"/>
+          <a:ext cx="0" cy="0"/>
+          <a:chOff x="0" y="0"/>
+          <a:chExt cx="0" cy="0"/>
+        </a:xfrm>
+      </p:grpSpPr>
+      <p:pic>
+        <p:nvPicPr>
+          <p:cNvPr id="4" name="Imagem 3">
+            <a:extLst>
+              <a:ext uri="{FF2B5EF4-FFF2-40B4-BE49-F238E27FC236}">
+                <a16:creationId xmlns:a16="http://schemas.microsoft.com/office/drawing/2014/main" id="{BDE1A73A-0238-CABC-17CE-776265F9B71A}"/>
+              </a:ext>
+            </a:extLst>
+          </p:cNvPr>
+          <p:cNvPicPr>
+            <a:picLocks noChangeAspect="1"/>
+          </p:cNvPicPr>
+          <p:nvPr/>
+        </p:nvPicPr>
+        <p:blipFill rotWithShape="1">
+          <a:blip r:embed="rId2"/>
+          <a:srcRect l="3689" t="29061" r="1270" b="33981"/>
+          <a:stretch/>
+        </p:blipFill>
+        <p:spPr>
+          <a:xfrm>
+            <a:off x="302301" y="179964"/>
+            <a:ext cx="11587398" cy="2533338"/>
+          </a:xfrm>
+          <a:prstGeom prst="rect">
+            <a:avLst/>
+          </a:prstGeom>
+        </p:spPr>
+      </p:pic>
+      <p:sp>
+        <p:nvSpPr>
+          <p:cNvPr id="5" name="CaixaDeTexto 4">
+            <a:extLst>
+              <a:ext uri="{FF2B5EF4-FFF2-40B4-BE49-F238E27FC236}">
+                <a16:creationId xmlns:a16="http://schemas.microsoft.com/office/drawing/2014/main" id="{49E2084D-2033-A5F9-AA04-F124C30C96D3}"/>
+              </a:ext>
+            </a:extLst>
+          </p:cNvPr>
+          <p:cNvSpPr txBox="1"/>
+          <p:nvPr/>
+        </p:nvSpPr>
+        <p:spPr>
+          <a:xfrm>
+            <a:off x="302301" y="2890391"/>
+            <a:ext cx="11587398" cy="1077218"/>
+          </a:xfrm>
+          <a:prstGeom prst="rect">
+            <a:avLst/>
+          </a:prstGeom>
+          <a:noFill/>
+          <a:ln>
+            <a:solidFill>
+              <a:schemeClr val="tx1"/>
+            </a:solidFill>
+          </a:ln>
+        </p:spPr>
+        <p:txBody>
+          <a:bodyPr wrap="square" rtlCol="0">
+            <a:spAutoFit/>
+          </a:bodyPr>
+          <a:lstStyle/>
+          <a:p>
+            <a:r>
+              <a:rPr lang="pt-BR" sz="3200" dirty="0"/>
+              <a:t>Esse será o futuro carrossel do meu site, nele eu pretendo colocar os produtos em destaque ou em promoção.</a:t>
+            </a:r>
+            <a:endParaRPr lang="pt-BR" dirty="0"/>
+          </a:p>
+        </p:txBody>
+      </p:sp>
+      <p:sp>
+        <p:nvSpPr>
+          <p:cNvPr id="6" name="CaixaDeTexto 5">
+            <a:extLst>
+              <a:ext uri="{FF2B5EF4-FFF2-40B4-BE49-F238E27FC236}">
+                <a16:creationId xmlns:a16="http://schemas.microsoft.com/office/drawing/2014/main" id="{B38B0567-B484-1A5F-67B4-64EC2313E918}"/>
+              </a:ext>
+            </a:extLst>
+          </p:cNvPr>
+          <p:cNvSpPr txBox="1"/>
+          <p:nvPr/>
+        </p:nvSpPr>
+        <p:spPr>
+          <a:xfrm>
+            <a:off x="302301" y="4287187"/>
+            <a:ext cx="10105459" cy="461665"/>
+          </a:xfrm>
+          <a:prstGeom prst="rect">
+            <a:avLst/>
+          </a:prstGeom>
+          <a:noFill/>
+        </p:spPr>
+        <p:txBody>
+          <a:bodyPr wrap="none" rtlCol="0">
+            <a:spAutoFit/>
+          </a:bodyPr>
+          <a:lstStyle/>
+          <a:p>
+            <a:r>
+              <a:rPr lang="pt-BR" sz="2400" dirty="0"/>
+              <a:t>*Carrossel: é um quadro com imagens que ficam mudando com o tempo/clique</a:t>
+            </a:r>
+            <a:endParaRPr lang="pt-BR" dirty="0"/>
+          </a:p>
+        </p:txBody>
+      </p:sp>
+    </p:spTree>
+    <p:extLst>
+      <p:ext uri="{BB962C8B-B14F-4D97-AF65-F5344CB8AC3E}">
+        <p14:creationId xmlns:p14="http://schemas.microsoft.com/office/powerpoint/2010/main" val="750526594"/>
+      </p:ext>
+    </p:extLst>
+  </p:cSld>
+  <p:clrMapOvr>
+    <a:masterClrMapping/>
+  </p:clrMapOvr>
+</p:sld>
+</file>
+
+<file path=ppt/slides/slide6.xml><?xml version="1.0" encoding="utf-8"?>
+<p:sld xmlns:a="http://schemas.openxmlformats.org/drawingml/2006/main" xmlns:r="http://schemas.openxmlformats.org/officeDocument/2006/relationships" xmlns:p="http://schemas.openxmlformats.org/presentationml/2006/main">
+  <p:cSld>
+    <p:spTree>
+      <p:nvGrpSpPr>
+        <p:cNvPr id="1" name=""/>
+        <p:cNvGrpSpPr/>
+        <p:nvPr/>
+      </p:nvGrpSpPr>
+      <p:grpSpPr>
+        <a:xfrm>
+          <a:off x="0" y="0"/>
+          <a:ext cx="0" cy="0"/>
+          <a:chOff x="0" y="0"/>
+          <a:chExt cx="0" cy="0"/>
+        </a:xfrm>
+      </p:grpSpPr>
+      <p:sp>
+        <p:nvSpPr>
           <p:cNvPr id="3" name="Espaço Reservado para Conteúdo 2">
             <a:extLst>
               <a:ext uri="{FF2B5EF4-FFF2-40B4-BE49-F238E27FC236}">
@@ -3663,7 +4232,9 @@
           </a:ln>
         </p:spPr>
         <p:txBody>
-          <a:bodyPr/>
+          <a:bodyPr>
+            <a:normAutofit lnSpcReduction="10000"/>
+          </a:bodyPr>
           <a:lstStyle/>
           <a:p>
             <a:pPr marL="0" indent="0">
@@ -3671,17 +4242,52 @@
             </a:pPr>
             <a:r>
               <a:rPr lang="pt-BR" dirty="0"/>
-              <a:t>Isso será o corpo do meu site, como no slide anterior, ainda não possui muita coisa, no futuro eu pretendo implementar um carrossel e os produtos</a:t>
+              <a:t>Isso será o corpo do meu site, como no slide anterior, ainda não possui muita funcionalidade até porque eu ainda não tenho ideias de produtos para colocar aqui.</a:t>
+            </a:r>
+          </a:p>
+        </p:txBody>
+      </p:sp>
+      <p:sp>
+        <p:nvSpPr>
+          <p:cNvPr id="8" name="CaixaDeTexto 7">
+            <a:extLst>
+              <a:ext uri="{FF2B5EF4-FFF2-40B4-BE49-F238E27FC236}">
+                <a16:creationId xmlns:a16="http://schemas.microsoft.com/office/drawing/2014/main" id="{18C889F5-FDFD-F3F8-5246-E2BA11454222}"/>
+              </a:ext>
+            </a:extLst>
+          </p:cNvPr>
+          <p:cNvSpPr txBox="1"/>
+          <p:nvPr/>
+        </p:nvSpPr>
+        <p:spPr>
+          <a:xfrm>
+            <a:off x="604909" y="5231834"/>
+            <a:ext cx="8923981" cy="523220"/>
+          </a:xfrm>
+          <a:prstGeom prst="rect">
+            <a:avLst/>
+          </a:prstGeom>
+          <a:noFill/>
+        </p:spPr>
+        <p:txBody>
+          <a:bodyPr wrap="none" rtlCol="0">
+            <a:spAutoFit/>
+          </a:bodyPr>
+          <a:lstStyle/>
+          <a:p>
+            <a:r>
+              <a:rPr lang="pt-BR" sz="2800" dirty="0"/>
+              <a:t>*site: um conjunto/única página da internet formam um site</a:t>
             </a:r>
           </a:p>
         </p:txBody>
       </p:sp>
       <p:pic>
         <p:nvPicPr>
-          <p:cNvPr id="5" name="Imagem 4">
+          <p:cNvPr id="9" name="Imagem 8">
             <a:extLst>
               <a:ext uri="{FF2B5EF4-FFF2-40B4-BE49-F238E27FC236}">
-                <a16:creationId xmlns:a16="http://schemas.microsoft.com/office/drawing/2014/main" id="{A9A4C2E9-E740-5C6B-2D65-4A5F11B37A19}"/>
+                <a16:creationId xmlns:a16="http://schemas.microsoft.com/office/drawing/2014/main" id="{5057ED8F-9A55-5C96-107F-20B8D3505A0F}"/>
               </a:ext>
             </a:extLst>
           </p:cNvPr>
@@ -3692,96 +4298,19 @@
         </p:nvPicPr>
         <p:blipFill rotWithShape="1">
           <a:blip r:embed="rId2"/>
-          <a:srcRect l="3693" t="40671" r="3539" b="16642"/>
+          <a:srcRect l="4961" t="10692" r="1271" b="5115"/>
           <a:stretch/>
         </p:blipFill>
         <p:spPr>
           <a:xfrm>
-            <a:off x="604910" y="502919"/>
-            <a:ext cx="11310425" cy="2926080"/>
+            <a:off x="3137246" y="192955"/>
+            <a:ext cx="6245749" cy="3152986"/>
           </a:xfrm>
           <a:prstGeom prst="rect">
             <a:avLst/>
           </a:prstGeom>
-          <a:ln>
-            <a:solidFill>
-              <a:schemeClr val="tx1">
-                <a:lumMod val="95000"/>
-              </a:schemeClr>
-            </a:solidFill>
-          </a:ln>
         </p:spPr>
       </p:pic>
-      <p:sp>
-        <p:nvSpPr>
-          <p:cNvPr id="7" name="CaixaDeTexto 6">
-            <a:extLst>
-              <a:ext uri="{FF2B5EF4-FFF2-40B4-BE49-F238E27FC236}">
-                <a16:creationId xmlns:a16="http://schemas.microsoft.com/office/drawing/2014/main" id="{4E7B0E51-FAC9-F131-6386-7E073B500868}"/>
-              </a:ext>
-            </a:extLst>
-          </p:cNvPr>
-          <p:cNvSpPr txBox="1"/>
-          <p:nvPr/>
-        </p:nvSpPr>
-        <p:spPr>
-          <a:xfrm>
-            <a:off x="604909" y="5064362"/>
-            <a:ext cx="11310424" cy="954107"/>
-          </a:xfrm>
-          <a:prstGeom prst="rect">
-            <a:avLst/>
-          </a:prstGeom>
-          <a:noFill/>
-        </p:spPr>
-        <p:txBody>
-          <a:bodyPr wrap="square" rtlCol="0">
-            <a:spAutoFit/>
-          </a:bodyPr>
-          <a:lstStyle/>
-          <a:p>
-            <a:r>
-              <a:rPr lang="pt-BR" sz="2800" dirty="0"/>
-              <a:t>*carrossel: é algo que exibe imagens e que muda com o clique ou depois de um tempo</a:t>
-            </a:r>
-          </a:p>
-        </p:txBody>
-      </p:sp>
-      <p:sp>
-        <p:nvSpPr>
-          <p:cNvPr id="8" name="CaixaDeTexto 7">
-            <a:extLst>
-              <a:ext uri="{FF2B5EF4-FFF2-40B4-BE49-F238E27FC236}">
-                <a16:creationId xmlns:a16="http://schemas.microsoft.com/office/drawing/2014/main" id="{18C889F5-FDFD-F3F8-5246-E2BA11454222}"/>
-              </a:ext>
-            </a:extLst>
-          </p:cNvPr>
-          <p:cNvSpPr txBox="1"/>
-          <p:nvPr/>
-        </p:nvSpPr>
-        <p:spPr>
-          <a:xfrm>
-            <a:off x="604909" y="6302326"/>
-            <a:ext cx="10254474" cy="523220"/>
-          </a:xfrm>
-          <a:prstGeom prst="rect">
-            <a:avLst/>
-          </a:prstGeom>
-          <a:noFill/>
-        </p:spPr>
-        <p:txBody>
-          <a:bodyPr wrap="none" rtlCol="0">
-            <a:spAutoFit/>
-          </a:bodyPr>
-          <a:lstStyle/>
-          <a:p>
-            <a:r>
-              <a:rPr lang="pt-BR" sz="2800" dirty="0"/>
-              <a:t>*site: um conjunto ou uma única página da internet formam um site</a:t>
-            </a:r>
-          </a:p>
-        </p:txBody>
-      </p:sp>
     </p:spTree>
     <p:extLst>
       <p:ext uri="{BB962C8B-B14F-4D97-AF65-F5344CB8AC3E}">
@@ -3795,7 +4324,7 @@
 </p:sld>
 </file>
 
-<file path=ppt/slides/slide4.xml><?xml version="1.0" encoding="utf-8"?>
+<file path=ppt/slides/slide7.xml><?xml version="1.0" encoding="utf-8"?>
 <p:sld xmlns:a="http://schemas.openxmlformats.org/drawingml/2006/main" xmlns:r="http://schemas.openxmlformats.org/officeDocument/2006/relationships" xmlns:p="http://schemas.openxmlformats.org/presentationml/2006/main">
   <p:cSld>
     <p:spTree>
@@ -3987,7 +4516,7 @@
 </p:sld>
 </file>
 
-<file path=ppt/slides/slide5.xml><?xml version="1.0" encoding="utf-8"?>
+<file path=ppt/slides/slide8.xml><?xml version="1.0" encoding="utf-8"?>
 <p:sld xmlns:a="http://schemas.openxmlformats.org/drawingml/2006/main" xmlns:r="http://schemas.openxmlformats.org/officeDocument/2006/relationships" xmlns:p="http://schemas.openxmlformats.org/presentationml/2006/main">
   <p:cSld>
     <p:spTree>
@@ -4088,6 +4617,12 @@
             </a:r>
           </a:p>
           <a:p>
+            <a:r>
+              <a:rPr lang="pt-BR" dirty="0"/>
+              <a:t>Exclusão de produtos por parte do administrador,</a:t>
+            </a:r>
+          </a:p>
+          <a:p>
             <a:endParaRPr lang="pt-BR" dirty="0"/>
           </a:p>
         </p:txBody>
@@ -4105,7 +4640,7 @@
 </p:sld>
 </file>
 
-<file path=ppt/slides/slide6.xml><?xml version="1.0" encoding="utf-8"?>
+<file path=ppt/slides/slide9.xml><?xml version="1.0" encoding="utf-8"?>
 <p:sld xmlns:a="http://schemas.openxmlformats.org/drawingml/2006/main" xmlns:r="http://schemas.openxmlformats.org/officeDocument/2006/relationships" xmlns:p="http://schemas.openxmlformats.org/presentationml/2006/main">
   <p:cSld>
     <p:spTree>
@@ -4122,6 +4657,55 @@
           <a:chExt cx="0" cy="0"/>
         </a:xfrm>
       </p:grpSpPr>
+      <p:sp>
+        <p:nvSpPr>
+          <p:cNvPr id="3" name="Retângulo 2">
+            <a:extLst>
+              <a:ext uri="{FF2B5EF4-FFF2-40B4-BE49-F238E27FC236}">
+                <a16:creationId xmlns:a16="http://schemas.microsoft.com/office/drawing/2014/main" id="{1A4000D4-FD38-6AA3-1DE2-E5DF9EB19546}"/>
+              </a:ext>
+            </a:extLst>
+          </p:cNvPr>
+          <p:cNvSpPr/>
+          <p:nvPr/>
+        </p:nvSpPr>
+        <p:spPr>
+          <a:xfrm>
+            <a:off x="3839980" y="535899"/>
+            <a:ext cx="4512039" cy="2893101"/>
+          </a:xfrm>
+          <a:prstGeom prst="rect">
+            <a:avLst/>
+          </a:prstGeom>
+          <a:solidFill>
+            <a:srgbClr val="0033CC"/>
+          </a:solidFill>
+        </p:spPr>
+        <p:style>
+          <a:lnRef idx="2">
+            <a:schemeClr val="accent1">
+              <a:shade val="15000"/>
+            </a:schemeClr>
+          </a:lnRef>
+          <a:fillRef idx="1">
+            <a:schemeClr val="accent1"/>
+          </a:fillRef>
+          <a:effectRef idx="0">
+            <a:schemeClr val="accent1"/>
+          </a:effectRef>
+          <a:fontRef idx="minor">
+            <a:schemeClr val="lt1"/>
+          </a:fontRef>
+        </p:style>
+        <p:txBody>
+          <a:bodyPr rtlCol="0" anchor="ctr"/>
+          <a:lstStyle/>
+          <a:p>
+            <a:pPr algn="ctr"/>
+            <a:endParaRPr lang="pt-BR"/>
+          </a:p>
+        </p:txBody>
+      </p:sp>
       <p:pic>
         <p:nvPicPr>
           <p:cNvPr id="6" name="Gráfico 5" descr="Carrinho de compras">
@@ -4153,7 +4737,7 @@
         </p:blipFill>
         <p:spPr>
           <a:xfrm>
-            <a:off x="5152292" y="2485292"/>
+            <a:off x="5139800" y="1042488"/>
             <a:ext cx="1887415" cy="1887415"/>
           </a:xfrm>
           <a:prstGeom prst="rect">
@@ -4163,10 +4747,10 @@
       </p:pic>
       <p:sp>
         <p:nvSpPr>
-          <p:cNvPr id="7" name="CaixaDeTexto 6">
+          <p:cNvPr id="4" name="CaixaDeTexto 3">
             <a:extLst>
               <a:ext uri="{FF2B5EF4-FFF2-40B4-BE49-F238E27FC236}">
-                <a16:creationId xmlns:a16="http://schemas.microsoft.com/office/drawing/2014/main" id="{6B66C015-F653-2FC1-D794-54E4A950D474}"/>
+                <a16:creationId xmlns:a16="http://schemas.microsoft.com/office/drawing/2014/main" id="{ABD96FA0-FD55-6632-BC72-5737E8A7E814}"/>
               </a:ext>
             </a:extLst>
           </p:cNvPr>
@@ -4175,25 +4759,29 @@
         </p:nvSpPr>
         <p:spPr>
           <a:xfrm>
-            <a:off x="951161" y="5022166"/>
-            <a:ext cx="10289676" cy="584775"/>
+            <a:off x="494676" y="3935589"/>
+            <a:ext cx="11467475" cy="954107"/>
           </a:xfrm>
           <a:prstGeom prst="rect">
             <a:avLst/>
           </a:prstGeom>
           <a:noFill/>
+          <a:ln>
+            <a:solidFill>
+              <a:schemeClr val="tx1"/>
+            </a:solidFill>
+          </a:ln>
         </p:spPr>
         <p:txBody>
-          <a:bodyPr wrap="none" rtlCol="0">
+          <a:bodyPr wrap="square" rtlCol="0">
             <a:spAutoFit/>
           </a:bodyPr>
           <a:lstStyle/>
           <a:p>
             <a:r>
-              <a:rPr lang="pt-BR" sz="3200" dirty="0"/>
-              <a:t>No final o modelo de resultado será um carrinho de compras</a:t>
-            </a:r>
-            <a:endParaRPr lang="pt-BR" dirty="0"/>
+              <a:rPr lang="pt-BR" sz="2800" dirty="0"/>
+              <a:t>Aqui temos o que meu site futuramente irá fazer: compras com um carrinho de compras.</a:t>
+            </a:r>
           </a:p>
         </p:txBody>
       </p:sp>

--- a/Pré-Projeto.pptx
+++ b/Pré-Projeto.pptx
@@ -5,19 +5,20 @@
     <p:sldMasterId id="2147483660" r:id="rId1"/>
   </p:sldMasterIdLst>
   <p:notesMasterIdLst>
-    <p:notesMasterId r:id="rId12"/>
+    <p:notesMasterId r:id="rId13"/>
   </p:notesMasterIdLst>
   <p:sldIdLst>
     <p:sldId id="256" r:id="rId2"/>
     <p:sldId id="264" r:id="rId3"/>
     <p:sldId id="263" r:id="rId4"/>
-    <p:sldId id="257" r:id="rId5"/>
-    <p:sldId id="262" r:id="rId6"/>
-    <p:sldId id="258" r:id="rId7"/>
-    <p:sldId id="259" r:id="rId8"/>
-    <p:sldId id="260" r:id="rId9"/>
-    <p:sldId id="261" r:id="rId10"/>
-    <p:sldId id="265" r:id="rId11"/>
+    <p:sldId id="266" r:id="rId5"/>
+    <p:sldId id="257" r:id="rId6"/>
+    <p:sldId id="262" r:id="rId7"/>
+    <p:sldId id="258" r:id="rId8"/>
+    <p:sldId id="259" r:id="rId9"/>
+    <p:sldId id="260" r:id="rId10"/>
+    <p:sldId id="261" r:id="rId11"/>
+    <p:sldId id="265" r:id="rId12"/>
   </p:sldIdLst>
   <p:sldSz cx="12192000" cy="6858000"/>
   <p:notesSz cx="6858000" cy="9144000"/>
@@ -128,6 +129,7 @@
           <p14:sldIdLst>
             <p14:sldId id="264"/>
             <p14:sldId id="263"/>
+            <p14:sldId id="266"/>
           </p14:sldIdLst>
         </p14:section>
         <p14:section name="Seção sem Título" id="{0457B88D-CF46-49DB-8E50-45E09E170E9F}">
@@ -247,7 +249,7 @@
           <a:p>
             <a:fld id="{7FB10905-BB9D-458C-A5EC-F811D1D706CC}" type="datetimeFigureOut">
               <a:rPr lang="pt-BR" smtClean="0"/>
-              <a:t>06/03/2024</a:t>
+              <a:t>07/03/2024</a:t>
             </a:fld>
             <a:endParaRPr lang="pt-BR"/>
           </a:p>
@@ -645,7 +647,7 @@
           <a:p>
             <a:fld id="{9EA17409-2594-40AD-8915-2C1F586D6F07}" type="datetimeFigureOut">
               <a:rPr lang="pt-BR" smtClean="0"/>
-              <a:t>06/03/2024</a:t>
+              <a:t>07/03/2024</a:t>
             </a:fld>
             <a:endParaRPr lang="pt-BR"/>
           </a:p>
@@ -815,7 +817,7 @@
           <a:p>
             <a:fld id="{9EA17409-2594-40AD-8915-2C1F586D6F07}" type="datetimeFigureOut">
               <a:rPr lang="pt-BR" smtClean="0"/>
-              <a:t>06/03/2024</a:t>
+              <a:t>07/03/2024</a:t>
             </a:fld>
             <a:endParaRPr lang="pt-BR"/>
           </a:p>
@@ -995,7 +997,7 @@
           <a:p>
             <a:fld id="{9EA17409-2594-40AD-8915-2C1F586D6F07}" type="datetimeFigureOut">
               <a:rPr lang="pt-BR" smtClean="0"/>
-              <a:t>06/03/2024</a:t>
+              <a:t>07/03/2024</a:t>
             </a:fld>
             <a:endParaRPr lang="pt-BR"/>
           </a:p>
@@ -1165,7 +1167,7 @@
           <a:p>
             <a:fld id="{9EA17409-2594-40AD-8915-2C1F586D6F07}" type="datetimeFigureOut">
               <a:rPr lang="pt-BR" smtClean="0"/>
-              <a:t>06/03/2024</a:t>
+              <a:t>07/03/2024</a:t>
             </a:fld>
             <a:endParaRPr lang="pt-BR"/>
           </a:p>
@@ -1411,7 +1413,7 @@
           <a:p>
             <a:fld id="{9EA17409-2594-40AD-8915-2C1F586D6F07}" type="datetimeFigureOut">
               <a:rPr lang="pt-BR" smtClean="0"/>
-              <a:t>06/03/2024</a:t>
+              <a:t>07/03/2024</a:t>
             </a:fld>
             <a:endParaRPr lang="pt-BR"/>
           </a:p>
@@ -1643,7 +1645,7 @@
           <a:p>
             <a:fld id="{9EA17409-2594-40AD-8915-2C1F586D6F07}" type="datetimeFigureOut">
               <a:rPr lang="pt-BR" smtClean="0"/>
-              <a:t>06/03/2024</a:t>
+              <a:t>07/03/2024</a:t>
             </a:fld>
             <a:endParaRPr lang="pt-BR"/>
           </a:p>
@@ -2010,7 +2012,7 @@
           <a:p>
             <a:fld id="{9EA17409-2594-40AD-8915-2C1F586D6F07}" type="datetimeFigureOut">
               <a:rPr lang="pt-BR" smtClean="0"/>
-              <a:t>06/03/2024</a:t>
+              <a:t>07/03/2024</a:t>
             </a:fld>
             <a:endParaRPr lang="pt-BR"/>
           </a:p>
@@ -2128,7 +2130,7 @@
           <a:p>
             <a:fld id="{9EA17409-2594-40AD-8915-2C1F586D6F07}" type="datetimeFigureOut">
               <a:rPr lang="pt-BR" smtClean="0"/>
-              <a:t>06/03/2024</a:t>
+              <a:t>07/03/2024</a:t>
             </a:fld>
             <a:endParaRPr lang="pt-BR"/>
           </a:p>
@@ -2223,7 +2225,7 @@
           <a:p>
             <a:fld id="{9EA17409-2594-40AD-8915-2C1F586D6F07}" type="datetimeFigureOut">
               <a:rPr lang="pt-BR" smtClean="0"/>
-              <a:t>06/03/2024</a:t>
+              <a:t>07/03/2024</a:t>
             </a:fld>
             <a:endParaRPr lang="pt-BR"/>
           </a:p>
@@ -2500,7 +2502,7 @@
           <a:p>
             <a:fld id="{9EA17409-2594-40AD-8915-2C1F586D6F07}" type="datetimeFigureOut">
               <a:rPr lang="pt-BR" smtClean="0"/>
-              <a:t>06/03/2024</a:t>
+              <a:t>07/03/2024</a:t>
             </a:fld>
             <a:endParaRPr lang="pt-BR"/>
           </a:p>
@@ -2757,7 +2759,7 @@
           <a:p>
             <a:fld id="{9EA17409-2594-40AD-8915-2C1F586D6F07}" type="datetimeFigureOut">
               <a:rPr lang="pt-BR" smtClean="0"/>
-              <a:t>06/03/2024</a:t>
+              <a:t>07/03/2024</a:t>
             </a:fld>
             <a:endParaRPr lang="pt-BR"/>
           </a:p>
@@ -2970,7 +2972,7 @@
           <a:p>
             <a:fld id="{9EA17409-2594-40AD-8915-2C1F586D6F07}" type="datetimeFigureOut">
               <a:rPr lang="pt-BR" smtClean="0"/>
-              <a:t>06/03/2024</a:t>
+              <a:t>07/03/2024</a:t>
             </a:fld>
             <a:endParaRPr lang="pt-BR"/>
           </a:p>
@@ -3511,6 +3513,164 @@
       </p:grpSpPr>
       <p:sp>
         <p:nvSpPr>
+          <p:cNvPr id="3" name="Retângulo 2">
+            <a:extLst>
+              <a:ext uri="{FF2B5EF4-FFF2-40B4-BE49-F238E27FC236}">
+                <a16:creationId xmlns:a16="http://schemas.microsoft.com/office/drawing/2014/main" id="{1A4000D4-FD38-6AA3-1DE2-E5DF9EB19546}"/>
+              </a:ext>
+            </a:extLst>
+          </p:cNvPr>
+          <p:cNvSpPr/>
+          <p:nvPr/>
+        </p:nvSpPr>
+        <p:spPr>
+          <a:xfrm>
+            <a:off x="3839980" y="535899"/>
+            <a:ext cx="4512039" cy="2893101"/>
+          </a:xfrm>
+          <a:prstGeom prst="rect">
+            <a:avLst/>
+          </a:prstGeom>
+          <a:solidFill>
+            <a:srgbClr val="0033CC"/>
+          </a:solidFill>
+        </p:spPr>
+        <p:style>
+          <a:lnRef idx="2">
+            <a:schemeClr val="accent1">
+              <a:shade val="15000"/>
+            </a:schemeClr>
+          </a:lnRef>
+          <a:fillRef idx="1">
+            <a:schemeClr val="accent1"/>
+          </a:fillRef>
+          <a:effectRef idx="0">
+            <a:schemeClr val="accent1"/>
+          </a:effectRef>
+          <a:fontRef idx="minor">
+            <a:schemeClr val="lt1"/>
+          </a:fontRef>
+        </p:style>
+        <p:txBody>
+          <a:bodyPr rtlCol="0" anchor="ctr"/>
+          <a:lstStyle/>
+          <a:p>
+            <a:pPr algn="ctr"/>
+            <a:endParaRPr lang="pt-BR"/>
+          </a:p>
+        </p:txBody>
+      </p:sp>
+      <p:pic>
+        <p:nvPicPr>
+          <p:cNvPr id="6" name="Gráfico 5" descr="Carrinho de compras">
+            <a:extLst>
+              <a:ext uri="{FF2B5EF4-FFF2-40B4-BE49-F238E27FC236}">
+                <a16:creationId xmlns:a16="http://schemas.microsoft.com/office/drawing/2014/main" id="{7DB37296-D426-364A-9B00-4F09FBFB0515}"/>
+              </a:ext>
+            </a:extLst>
+          </p:cNvPr>
+          <p:cNvPicPr>
+            <a:picLocks noChangeAspect="1"/>
+          </p:cNvPicPr>
+          <p:nvPr/>
+        </p:nvPicPr>
+        <p:blipFill>
+          <a:blip r:embed="rId2">
+            <a:extLst>
+              <a:ext uri="{28A0092B-C50C-407E-A947-70E740481C1C}">
+                <a14:useLocalDpi xmlns:a14="http://schemas.microsoft.com/office/drawing/2010/main" val="0"/>
+              </a:ext>
+              <a:ext uri="{96DAC541-7B7A-43D3-8B79-37D633B846F1}">
+                <asvg:svgBlip xmlns:asvg="http://schemas.microsoft.com/office/drawing/2016/SVG/main" r:embed="rId3"/>
+              </a:ext>
+            </a:extLst>
+          </a:blip>
+          <a:stretch>
+            <a:fillRect/>
+          </a:stretch>
+        </p:blipFill>
+        <p:spPr>
+          <a:xfrm>
+            <a:off x="5139800" y="1042488"/>
+            <a:ext cx="1887415" cy="1887415"/>
+          </a:xfrm>
+          <a:prstGeom prst="rect">
+            <a:avLst/>
+          </a:prstGeom>
+        </p:spPr>
+      </p:pic>
+      <p:sp>
+        <p:nvSpPr>
+          <p:cNvPr id="4" name="CaixaDeTexto 3">
+            <a:extLst>
+              <a:ext uri="{FF2B5EF4-FFF2-40B4-BE49-F238E27FC236}">
+                <a16:creationId xmlns:a16="http://schemas.microsoft.com/office/drawing/2014/main" id="{ABD96FA0-FD55-6632-BC72-5737E8A7E814}"/>
+              </a:ext>
+            </a:extLst>
+          </p:cNvPr>
+          <p:cNvSpPr txBox="1"/>
+          <p:nvPr/>
+        </p:nvSpPr>
+        <p:spPr>
+          <a:xfrm>
+            <a:off x="494676" y="3935589"/>
+            <a:ext cx="11467475" cy="954107"/>
+          </a:xfrm>
+          <a:prstGeom prst="rect">
+            <a:avLst/>
+          </a:prstGeom>
+          <a:noFill/>
+          <a:ln>
+            <a:solidFill>
+              <a:schemeClr val="tx1"/>
+            </a:solidFill>
+          </a:ln>
+        </p:spPr>
+        <p:txBody>
+          <a:bodyPr wrap="square" rtlCol="0">
+            <a:spAutoFit/>
+          </a:bodyPr>
+          <a:lstStyle/>
+          <a:p>
+            <a:r>
+              <a:rPr lang="pt-BR" sz="2800" dirty="0"/>
+              <a:t>Aqui temos o que meu site futuramente irá fazer: compras com um carrinho de compras.</a:t>
+            </a:r>
+          </a:p>
+        </p:txBody>
+      </p:sp>
+    </p:spTree>
+    <p:extLst>
+      <p:ext uri="{BB962C8B-B14F-4D97-AF65-F5344CB8AC3E}">
+        <p14:creationId xmlns:p14="http://schemas.microsoft.com/office/powerpoint/2010/main" val="1982266924"/>
+      </p:ext>
+    </p:extLst>
+  </p:cSld>
+  <p:clrMapOvr>
+    <a:masterClrMapping/>
+  </p:clrMapOvr>
+</p:sld>
+</file>
+
+<file path=ppt/slides/slide11.xml><?xml version="1.0" encoding="utf-8"?>
+<p:sld xmlns:a="http://schemas.openxmlformats.org/drawingml/2006/main" xmlns:r="http://schemas.openxmlformats.org/officeDocument/2006/relationships" xmlns:p="http://schemas.openxmlformats.org/presentationml/2006/main">
+  <p:cSld>
+    <p:spTree>
+      <p:nvGrpSpPr>
+        <p:cNvPr id="1" name=""/>
+        <p:cNvGrpSpPr/>
+        <p:nvPr/>
+      </p:nvGrpSpPr>
+      <p:grpSpPr>
+        <a:xfrm>
+          <a:off x="0" y="0"/>
+          <a:ext cx="0" cy="0"/>
+          <a:chOff x="0" y="0"/>
+          <a:chExt cx="0" cy="0"/>
+        </a:xfrm>
+      </p:grpSpPr>
+      <p:sp>
+        <p:nvSpPr>
           <p:cNvPr id="2" name="Título 1">
             <a:extLst>
               <a:ext uri="{FF2B5EF4-FFF2-40B4-BE49-F238E27FC236}">
@@ -3632,12 +3792,8 @@
           <a:lstStyle/>
           <a:p>
             <a:r>
-              <a:rPr lang="pt-BR" dirty="0" err="1"/>
-              <a:t>Maket</a:t>
-            </a:r>
-            <a:r>
               <a:rPr lang="pt-BR" dirty="0"/>
-              <a:t> place</a:t>
+              <a:t>Market Place</a:t>
             </a:r>
           </a:p>
         </p:txBody>
@@ -3679,21 +3835,21 @@
           <a:lstStyle/>
           <a:p>
             <a:r>
-              <a:rPr lang="pt-BR" sz="1800" b="0" i="0" dirty="0">
+              <a:rPr lang="pt-BR" sz="2400" b="0" i="0" dirty="0">
                 <a:effectLst/>
                 <a:latin typeface="Lato" panose="020F0502020204030204" pitchFamily="34" charset="0"/>
               </a:rPr>
               <a:t>[...] “O </a:t>
             </a:r>
             <a:r>
-              <a:rPr lang="pt-BR" sz="1800" b="1" i="0" dirty="0">
+              <a:rPr lang="pt-BR" sz="2400" b="1" i="0" dirty="0">
                 <a:effectLst/>
                 <a:latin typeface="Lato" panose="020F0502020204030204" pitchFamily="34" charset="0"/>
               </a:rPr>
               <a:t>marketplace</a:t>
             </a:r>
             <a:r>
-              <a:rPr lang="pt-BR" sz="1800" b="0" i="0" dirty="0">
+              <a:rPr lang="pt-BR" sz="2400" b="0" i="0" dirty="0">
                 <a:effectLst/>
                 <a:latin typeface="Lato" panose="020F0502020204030204" pitchFamily="34" charset="0"/>
               </a:rPr>
@@ -3705,7 +3861,7 @@
               <a:buNone/>
             </a:pPr>
             <a:r>
-              <a:rPr lang="pt-BR" sz="1800" dirty="0">
+              <a:rPr lang="pt-BR" sz="2400" dirty="0">
                 <a:latin typeface="Lato" panose="020F0502020204030204" pitchFamily="34" charset="0"/>
               </a:rPr>
               <a:t>    [...]</a:t>
@@ -3713,33 +3869,33 @@
           </a:p>
           <a:p>
             <a:r>
-              <a:rPr lang="pt-BR" sz="1600" b="0" i="0" dirty="0">
+              <a:rPr lang="pt-BR" sz="2400" b="0" i="0" dirty="0">
                 <a:effectLst/>
                 <a:latin typeface="Lato" panose="020F0502020204030203" pitchFamily="34" charset="0"/>
               </a:rPr>
               <a:t>“Além disso, essa modalidade de vendas é uma das preferidas dos consumidores. De acordo com a pesquisa da empresa francesa Mirakl, 86% dos brasileiros identificam os marketplaces como a forma mais satisfatória de </a:t>
             </a:r>
             <a:r>
-              <a:rPr lang="pt-BR" sz="1600" b="1" i="0" dirty="0">
+              <a:rPr lang="pt-BR" sz="2400" b="1" i="0" dirty="0">
                 <a:effectLst/>
                 <a:latin typeface="Lato" panose="020F0502020204030203" pitchFamily="34" charset="0"/>
               </a:rPr>
               <a:t>realizar compras online.”</a:t>
             </a:r>
-            <a:endParaRPr lang="pt-BR" sz="1600" b="0" i="0" dirty="0">
+            <a:endParaRPr lang="pt-BR" sz="2000" b="0" i="0" dirty="0">
               <a:effectLst/>
               <a:latin typeface="Lato" panose="020F0502020204030203" pitchFamily="34" charset="0"/>
             </a:endParaRPr>
           </a:p>
           <a:p>
             <a:r>
-              <a:rPr lang="pt-BR" sz="2000" b="0" i="0" dirty="0">
+              <a:rPr lang="pt-BR" sz="2400" b="0" i="0" dirty="0">
                 <a:effectLst/>
                 <a:latin typeface="Lato" panose="020F0502020204030203" pitchFamily="34" charset="0"/>
               </a:rPr>
               <a:t>[...] “Mas não é apenas isso. Esse modelo de comércio online também apresenta vantagens para o consumidor: com os marketplaces, os usuários podem encontrar diversos produtos, marcas e lojas em um único lugar, tendo uma experiência de compra facilitada.”</a:t>
             </a:r>
-            <a:endParaRPr lang="pt-BR" sz="3200" dirty="0"/>
+            <a:endParaRPr lang="pt-BR" sz="3600" dirty="0"/>
           </a:p>
           <a:p>
             <a:endParaRPr lang="pt-BR" sz="1400" dirty="0"/>
@@ -3808,7 +3964,7 @@
           <a:p>
             <a:r>
               <a:rPr lang="pt-BR" dirty="0"/>
-              <a:t>O que é marketing place</a:t>
+              <a:t>O que é Marketing Place</a:t>
             </a:r>
           </a:p>
         </p:txBody>
@@ -3858,7 +4014,10 @@
             <a:endParaRPr lang="pt-BR" sz="1600" dirty="0"/>
           </a:p>
           <a:p>
-            <a:endParaRPr lang="pt-BR" dirty="0"/>
+            <a:r>
+              <a:rPr lang="pt-BR" dirty="0"/>
+              <a:t>Exemplos de sites de marketing place são Mercado Livre, Amazon, OLX, I Food, e muitos outros.</a:t>
+            </a:r>
           </a:p>
         </p:txBody>
       </p:sp>
@@ -3894,6 +4053,220 @@
       </p:grpSpPr>
       <p:sp>
         <p:nvSpPr>
+          <p:cNvPr id="2" name="Título 1">
+            <a:extLst>
+              <a:ext uri="{FF2B5EF4-FFF2-40B4-BE49-F238E27FC236}">
+                <a16:creationId xmlns:a16="http://schemas.microsoft.com/office/drawing/2014/main" id="{D9981983-195B-A0B5-D5B3-D3EC579F7D3A}"/>
+              </a:ext>
+            </a:extLst>
+          </p:cNvPr>
+          <p:cNvSpPr>
+            <a:spLocks noGrp="1"/>
+          </p:cNvSpPr>
+          <p:nvPr>
+            <p:ph type="title"/>
+          </p:nvPr>
+        </p:nvSpPr>
+        <p:spPr>
+          <a:xfrm>
+            <a:off x="275491" y="379193"/>
+            <a:ext cx="11653912" cy="1325563"/>
+          </a:xfrm>
+        </p:spPr>
+        <p:txBody>
+          <a:bodyPr/>
+          <a:lstStyle/>
+          <a:p>
+            <a:r>
+              <a:rPr lang="pt-BR" dirty="0"/>
+              <a:t>Qual a diferença entre Market Place e E-</a:t>
+            </a:r>
+            <a:r>
+              <a:rPr lang="pt-BR" dirty="0" err="1"/>
+              <a:t>Comerce</a:t>
+            </a:r>
+            <a:r>
+              <a:rPr lang="pt-BR" dirty="0"/>
+              <a:t>?</a:t>
+            </a:r>
+          </a:p>
+        </p:txBody>
+      </p:sp>
+      <p:sp>
+        <p:nvSpPr>
+          <p:cNvPr id="3" name="Espaço Reservado para Conteúdo 2">
+            <a:extLst>
+              <a:ext uri="{FF2B5EF4-FFF2-40B4-BE49-F238E27FC236}">
+                <a16:creationId xmlns:a16="http://schemas.microsoft.com/office/drawing/2014/main" id="{BED5E92E-3240-1938-BB8C-02926A1A180C}"/>
+              </a:ext>
+            </a:extLst>
+          </p:cNvPr>
+          <p:cNvSpPr>
+            <a:spLocks noGrp="1"/>
+          </p:cNvSpPr>
+          <p:nvPr>
+            <p:ph idx="1"/>
+          </p:nvPr>
+        </p:nvSpPr>
+        <p:spPr>
+          <a:ln>
+            <a:solidFill>
+              <a:schemeClr val="tx1"/>
+            </a:solidFill>
+          </a:ln>
+        </p:spPr>
+        <p:txBody>
+          <a:bodyPr>
+            <a:normAutofit fontScale="92500" lnSpcReduction="10000"/>
+          </a:bodyPr>
+          <a:lstStyle/>
+          <a:p>
+            <a:r>
+              <a:rPr lang="pt-BR" sz="2400" dirty="0"/>
+              <a:t>[...] </a:t>
+            </a:r>
+            <a:r>
+              <a:rPr lang="pt-BR" sz="2400" b="0" i="0" dirty="0">
+                <a:effectLst/>
+                <a:latin typeface="Lato" panose="020F0502020204030203" pitchFamily="34" charset="0"/>
+              </a:rPr>
+              <a:t>O </a:t>
+            </a:r>
+            <a:r>
+              <a:rPr lang="pt-BR" sz="2400" b="1" i="0" dirty="0">
+                <a:effectLst/>
+                <a:latin typeface="Lato" panose="020F0502020204030203" pitchFamily="34" charset="0"/>
+              </a:rPr>
+              <a:t>e-commerce</a:t>
+            </a:r>
+            <a:r>
+              <a:rPr lang="pt-BR" sz="2400" b="0" i="0" dirty="0">
+                <a:effectLst/>
+                <a:latin typeface="Lato" panose="020F0502020204030203" pitchFamily="34" charset="0"/>
+              </a:rPr>
+              <a:t> é um modelo de negócio que consiste na compra e venda de produtos ou serviços por meio de canais digitais. Ou seja, o marketplace é um dos canais de venda do e-commerce, mas não é o único.</a:t>
+            </a:r>
+          </a:p>
+          <a:p>
+            <a:r>
+              <a:rPr lang="pt-BR" sz="1600" b="0" i="0" dirty="0">
+                <a:solidFill>
+                  <a:srgbClr val="454550"/>
+                </a:solidFill>
+                <a:effectLst/>
+                <a:latin typeface="Lato" panose="020F0502020204030203" pitchFamily="34" charset="0"/>
+              </a:rPr>
+              <a:t> </a:t>
+            </a:r>
+            <a:r>
+              <a:rPr lang="pt-BR" sz="2400" b="0" i="0" dirty="0">
+                <a:effectLst/>
+                <a:latin typeface="Lato" panose="020F0502020204030203" pitchFamily="34" charset="0"/>
+              </a:rPr>
+              <a:t>Muitas pessoas entendem o e-commerce também como sinônimo de </a:t>
+            </a:r>
+            <a:r>
+              <a:rPr lang="pt-BR" sz="2400" b="1" i="0" dirty="0">
+                <a:effectLst/>
+                <a:latin typeface="Lato" panose="020F0502020204030203" pitchFamily="34" charset="0"/>
+              </a:rPr>
+              <a:t>loja virtual</a:t>
+            </a:r>
+            <a:r>
+              <a:rPr lang="pt-BR" sz="2400" b="0" i="0" dirty="0">
+                <a:effectLst/>
+                <a:latin typeface="Lato" panose="020F0502020204030203" pitchFamily="34" charset="0"/>
+              </a:rPr>
+              <a:t>, que é mais um dos canais.</a:t>
+            </a:r>
+          </a:p>
+          <a:p>
+            <a:r>
+              <a:rPr lang="pt-BR" sz="2400" b="0" i="0" dirty="0">
+                <a:effectLst/>
+                <a:latin typeface="Lato" panose="020F0502020204030203" pitchFamily="34" charset="0"/>
+              </a:rPr>
+              <a:t>Diferentemente do </a:t>
+            </a:r>
+            <a:r>
+              <a:rPr lang="pt-BR" sz="2400" b="1" i="0" dirty="0">
+                <a:effectLst/>
+                <a:latin typeface="Lato" panose="020F0502020204030203" pitchFamily="34" charset="0"/>
+              </a:rPr>
+              <a:t>marketplace</a:t>
+            </a:r>
+            <a:r>
+              <a:rPr lang="pt-BR" sz="2400" b="0" i="0" dirty="0">
+                <a:effectLst/>
+                <a:latin typeface="Lato" panose="020F0502020204030203" pitchFamily="34" charset="0"/>
+              </a:rPr>
+              <a:t>, que reúne diferentes lojas em um só ambiente. Ao vender em um marketplace, o empreendedor pode expor seus produtos na vitrine de um site que já têm relevância no mercado.</a:t>
+            </a:r>
+          </a:p>
+          <a:p>
+            <a:r>
+              <a:rPr lang="pt-BR" sz="2400" b="0" i="0" dirty="0">
+                <a:effectLst/>
+                <a:latin typeface="Lato" panose="020F0502020204030203" pitchFamily="34" charset="0"/>
+              </a:rPr>
+              <a:t>Porém, como há várias empresas do mesmo nicho compartilhando o mesmo espaço virtual, pode haver uma forte competição de preços dentro da própria plataforma. [...]</a:t>
+            </a:r>
+            <a:endParaRPr lang="pt-BR" sz="2200" b="0" i="0" dirty="0">
+              <a:effectLst/>
+              <a:latin typeface="Lato" panose="020F0502020204030203" pitchFamily="34" charset="0"/>
+            </a:endParaRPr>
+          </a:p>
+          <a:p>
+            <a:r>
+              <a:rPr lang="pt-BR" sz="2200" b="0" i="0" dirty="0">
+                <a:effectLst/>
+                <a:latin typeface="Lato" panose="020F0502020204030203" pitchFamily="34" charset="0"/>
+              </a:rPr>
+              <a:t>Os dois modelos podem ser utilizados de forma complementar, ampliando sua presença online e impulsionando as vendas do seu negócio</a:t>
+            </a:r>
+            <a:r>
+              <a:rPr lang="pt-BR" sz="2600" b="0" i="0" dirty="0">
+                <a:effectLst/>
+                <a:latin typeface="Lato" panose="020F0502020204030203" pitchFamily="34" charset="0"/>
+              </a:rPr>
+              <a:t>.”</a:t>
+            </a:r>
+            <a:endParaRPr lang="pt-BR" sz="3900" dirty="0"/>
+          </a:p>
+        </p:txBody>
+      </p:sp>
+    </p:spTree>
+    <p:extLst>
+      <p:ext uri="{BB962C8B-B14F-4D97-AF65-F5344CB8AC3E}">
+        <p14:creationId xmlns:p14="http://schemas.microsoft.com/office/powerpoint/2010/main" val="2662685110"/>
+      </p:ext>
+    </p:extLst>
+  </p:cSld>
+  <p:clrMapOvr>
+    <a:masterClrMapping/>
+  </p:clrMapOvr>
+</p:sld>
+</file>
+
+<file path=ppt/slides/slide5.xml><?xml version="1.0" encoding="utf-8"?>
+<p:sld xmlns:a="http://schemas.openxmlformats.org/drawingml/2006/main" xmlns:r="http://schemas.openxmlformats.org/officeDocument/2006/relationships" xmlns:p="http://schemas.openxmlformats.org/presentationml/2006/main">
+  <p:cSld>
+    <p:spTree>
+      <p:nvGrpSpPr>
+        <p:cNvPr id="1" name=""/>
+        <p:cNvGrpSpPr/>
+        <p:nvPr/>
+      </p:nvGrpSpPr>
+      <p:grpSpPr>
+        <a:xfrm>
+          <a:off x="0" y="0"/>
+          <a:ext cx="0" cy="0"/>
+          <a:chOff x="0" y="0"/>
+          <a:chExt cx="0" cy="0"/>
+        </a:xfrm>
+      </p:grpSpPr>
+      <p:sp>
+        <p:nvSpPr>
           <p:cNvPr id="6" name="CaixaDeTexto 5">
             <a:extLst>
               <a:ext uri="{FF2B5EF4-FFF2-40B4-BE49-F238E27FC236}">
@@ -4051,7 +4424,7 @@
 </p:sld>
 </file>
 
-<file path=ppt/slides/slide5.xml><?xml version="1.0" encoding="utf-8"?>
+<file path=ppt/slides/slide6.xml><?xml version="1.0" encoding="utf-8"?>
 <p:sld xmlns:a="http://schemas.openxmlformats.org/drawingml/2006/main" xmlns:r="http://schemas.openxmlformats.org/officeDocument/2006/relationships" xmlns:p="http://schemas.openxmlformats.org/presentationml/2006/main">
   <p:cSld>
     <p:spTree>
@@ -4187,7 +4560,7 @@
 </p:sld>
 </file>
 
-<file path=ppt/slides/slide6.xml><?xml version="1.0" encoding="utf-8"?>
+<file path=ppt/slides/slide7.xml><?xml version="1.0" encoding="utf-8"?>
 <p:sld xmlns:a="http://schemas.openxmlformats.org/drawingml/2006/main" xmlns:r="http://schemas.openxmlformats.org/officeDocument/2006/relationships" xmlns:p="http://schemas.openxmlformats.org/presentationml/2006/main">
   <p:cSld>
     <p:spTree>
@@ -4324,7 +4697,7 @@
 </p:sld>
 </file>
 
-<file path=ppt/slides/slide7.xml><?xml version="1.0" encoding="utf-8"?>
+<file path=ppt/slides/slide8.xml><?xml version="1.0" encoding="utf-8"?>
 <p:sld xmlns:a="http://schemas.openxmlformats.org/drawingml/2006/main" xmlns:r="http://schemas.openxmlformats.org/officeDocument/2006/relationships" xmlns:p="http://schemas.openxmlformats.org/presentationml/2006/main">
   <p:cSld>
     <p:spTree>
@@ -4516,130 +4889,6 @@
 </p:sld>
 </file>
 
-<file path=ppt/slides/slide8.xml><?xml version="1.0" encoding="utf-8"?>
-<p:sld xmlns:a="http://schemas.openxmlformats.org/drawingml/2006/main" xmlns:r="http://schemas.openxmlformats.org/officeDocument/2006/relationships" xmlns:p="http://schemas.openxmlformats.org/presentationml/2006/main">
-  <p:cSld>
-    <p:spTree>
-      <p:nvGrpSpPr>
-        <p:cNvPr id="1" name=""/>
-        <p:cNvGrpSpPr/>
-        <p:nvPr/>
-      </p:nvGrpSpPr>
-      <p:grpSpPr>
-        <a:xfrm>
-          <a:off x="0" y="0"/>
-          <a:ext cx="0" cy="0"/>
-          <a:chOff x="0" y="0"/>
-          <a:chExt cx="0" cy="0"/>
-        </a:xfrm>
-      </p:grpSpPr>
-      <p:sp>
-        <p:nvSpPr>
-          <p:cNvPr id="2" name="Título 1">
-            <a:extLst>
-              <a:ext uri="{FF2B5EF4-FFF2-40B4-BE49-F238E27FC236}">
-                <a16:creationId xmlns:a16="http://schemas.microsoft.com/office/drawing/2014/main" id="{0C4A1FAD-0EA1-4A6A-F5D8-FA79821B5A7D}"/>
-              </a:ext>
-            </a:extLst>
-          </p:cNvPr>
-          <p:cNvSpPr>
-            <a:spLocks noGrp="1"/>
-          </p:cNvSpPr>
-          <p:nvPr>
-            <p:ph type="title"/>
-          </p:nvPr>
-        </p:nvSpPr>
-        <p:spPr>
-          <a:ln>
-            <a:solidFill>
-              <a:schemeClr val="tx1"/>
-            </a:solidFill>
-          </a:ln>
-        </p:spPr>
-        <p:txBody>
-          <a:bodyPr/>
-          <a:lstStyle/>
-          <a:p>
-            <a:pPr algn="ctr"/>
-            <a:r>
-              <a:rPr lang="pt-BR" dirty="0"/>
-              <a:t>Ideias do projeto</a:t>
-            </a:r>
-          </a:p>
-        </p:txBody>
-      </p:sp>
-      <p:sp>
-        <p:nvSpPr>
-          <p:cNvPr id="3" name="Espaço Reservado para Conteúdo 2">
-            <a:extLst>
-              <a:ext uri="{FF2B5EF4-FFF2-40B4-BE49-F238E27FC236}">
-                <a16:creationId xmlns:a16="http://schemas.microsoft.com/office/drawing/2014/main" id="{C1BC9500-CD8A-9E51-33ED-09A4B8DDF29F}"/>
-              </a:ext>
-            </a:extLst>
-          </p:cNvPr>
-          <p:cNvSpPr>
-            <a:spLocks noGrp="1"/>
-          </p:cNvSpPr>
-          <p:nvPr>
-            <p:ph idx="1"/>
-          </p:nvPr>
-        </p:nvSpPr>
-        <p:spPr>
-          <a:xfrm>
-            <a:off x="838200" y="1825625"/>
-            <a:ext cx="10515600" cy="4275372"/>
-          </a:xfrm>
-          <a:ln>
-            <a:solidFill>
-              <a:schemeClr val="tx1"/>
-            </a:solidFill>
-          </a:ln>
-        </p:spPr>
-        <p:txBody>
-          <a:bodyPr/>
-          <a:lstStyle/>
-          <a:p>
-            <a:r>
-              <a:rPr lang="pt-BR" dirty="0"/>
-              <a:t>Implementar um carrinho de compras;</a:t>
-            </a:r>
-          </a:p>
-          <a:p>
-            <a:r>
-              <a:rPr lang="pt-BR" dirty="0"/>
-              <a:t>Possibilidade de fazer login como cliente, vendedor e administrador;</a:t>
-            </a:r>
-          </a:p>
-          <a:p>
-            <a:r>
-              <a:rPr lang="pt-BR" dirty="0"/>
-              <a:t>Postagem de produtos por administrador e vendedores;</a:t>
-            </a:r>
-          </a:p>
-          <a:p>
-            <a:r>
-              <a:rPr lang="pt-BR" dirty="0"/>
-              <a:t>Exclusão de produtos por parte do administrador,</a:t>
-            </a:r>
-          </a:p>
-          <a:p>
-            <a:endParaRPr lang="pt-BR" dirty="0"/>
-          </a:p>
-        </p:txBody>
-      </p:sp>
-    </p:spTree>
-    <p:extLst>
-      <p:ext uri="{BB962C8B-B14F-4D97-AF65-F5344CB8AC3E}">
-        <p14:creationId xmlns:p14="http://schemas.microsoft.com/office/powerpoint/2010/main" val="1764609925"/>
-      </p:ext>
-    </p:extLst>
-  </p:cSld>
-  <p:clrMapOvr>
-    <a:masterClrMapping/>
-  </p:clrMapOvr>
-</p:sld>
-</file>
-
 <file path=ppt/slides/slide9.xml><?xml version="1.0" encoding="utf-8"?>
 <p:sld xmlns:a="http://schemas.openxmlformats.org/drawingml/2006/main" xmlns:r="http://schemas.openxmlformats.org/officeDocument/2006/relationships" xmlns:p="http://schemas.openxmlformats.org/presentationml/2006/main">
   <p:cSld>
@@ -4659,113 +4908,21 @@
       </p:grpSpPr>
       <p:sp>
         <p:nvSpPr>
-          <p:cNvPr id="3" name="Retângulo 2">
+          <p:cNvPr id="2" name="Título 1">
             <a:extLst>
               <a:ext uri="{FF2B5EF4-FFF2-40B4-BE49-F238E27FC236}">
-                <a16:creationId xmlns:a16="http://schemas.microsoft.com/office/drawing/2014/main" id="{1A4000D4-FD38-6AA3-1DE2-E5DF9EB19546}"/>
+                <a16:creationId xmlns:a16="http://schemas.microsoft.com/office/drawing/2014/main" id="{0C4A1FAD-0EA1-4A6A-F5D8-FA79821B5A7D}"/>
               </a:ext>
             </a:extLst>
           </p:cNvPr>
-          <p:cNvSpPr/>
-          <p:nvPr/>
+          <p:cNvSpPr>
+            <a:spLocks noGrp="1"/>
+          </p:cNvSpPr>
+          <p:nvPr>
+            <p:ph type="title"/>
+          </p:nvPr>
         </p:nvSpPr>
         <p:spPr>
-          <a:xfrm>
-            <a:off x="3839980" y="535899"/>
-            <a:ext cx="4512039" cy="2893101"/>
-          </a:xfrm>
-          <a:prstGeom prst="rect">
-            <a:avLst/>
-          </a:prstGeom>
-          <a:solidFill>
-            <a:srgbClr val="0033CC"/>
-          </a:solidFill>
-        </p:spPr>
-        <p:style>
-          <a:lnRef idx="2">
-            <a:schemeClr val="accent1">
-              <a:shade val="15000"/>
-            </a:schemeClr>
-          </a:lnRef>
-          <a:fillRef idx="1">
-            <a:schemeClr val="accent1"/>
-          </a:fillRef>
-          <a:effectRef idx="0">
-            <a:schemeClr val="accent1"/>
-          </a:effectRef>
-          <a:fontRef idx="minor">
-            <a:schemeClr val="lt1"/>
-          </a:fontRef>
-        </p:style>
-        <p:txBody>
-          <a:bodyPr rtlCol="0" anchor="ctr"/>
-          <a:lstStyle/>
-          <a:p>
-            <a:pPr algn="ctr"/>
-            <a:endParaRPr lang="pt-BR"/>
-          </a:p>
-        </p:txBody>
-      </p:sp>
-      <p:pic>
-        <p:nvPicPr>
-          <p:cNvPr id="6" name="Gráfico 5" descr="Carrinho de compras">
-            <a:extLst>
-              <a:ext uri="{FF2B5EF4-FFF2-40B4-BE49-F238E27FC236}">
-                <a16:creationId xmlns:a16="http://schemas.microsoft.com/office/drawing/2014/main" id="{7DB37296-D426-364A-9B00-4F09FBFB0515}"/>
-              </a:ext>
-            </a:extLst>
-          </p:cNvPr>
-          <p:cNvPicPr>
-            <a:picLocks noChangeAspect="1"/>
-          </p:cNvPicPr>
-          <p:nvPr/>
-        </p:nvPicPr>
-        <p:blipFill>
-          <a:blip r:embed="rId2">
-            <a:extLst>
-              <a:ext uri="{28A0092B-C50C-407E-A947-70E740481C1C}">
-                <a14:useLocalDpi xmlns:a14="http://schemas.microsoft.com/office/drawing/2010/main" val="0"/>
-              </a:ext>
-              <a:ext uri="{96DAC541-7B7A-43D3-8B79-37D633B846F1}">
-                <asvg:svgBlip xmlns:asvg="http://schemas.microsoft.com/office/drawing/2016/SVG/main" r:embed="rId3"/>
-              </a:ext>
-            </a:extLst>
-          </a:blip>
-          <a:stretch>
-            <a:fillRect/>
-          </a:stretch>
-        </p:blipFill>
-        <p:spPr>
-          <a:xfrm>
-            <a:off x="5139800" y="1042488"/>
-            <a:ext cx="1887415" cy="1887415"/>
-          </a:xfrm>
-          <a:prstGeom prst="rect">
-            <a:avLst/>
-          </a:prstGeom>
-        </p:spPr>
-      </p:pic>
-      <p:sp>
-        <p:nvSpPr>
-          <p:cNvPr id="4" name="CaixaDeTexto 3">
-            <a:extLst>
-              <a:ext uri="{FF2B5EF4-FFF2-40B4-BE49-F238E27FC236}">
-                <a16:creationId xmlns:a16="http://schemas.microsoft.com/office/drawing/2014/main" id="{ABD96FA0-FD55-6632-BC72-5737E8A7E814}"/>
-              </a:ext>
-            </a:extLst>
-          </p:cNvPr>
-          <p:cNvSpPr txBox="1"/>
-          <p:nvPr/>
-        </p:nvSpPr>
-        <p:spPr>
-          <a:xfrm>
-            <a:off x="494676" y="3935589"/>
-            <a:ext cx="11467475" cy="954107"/>
-          </a:xfrm>
-          <a:prstGeom prst="rect">
-            <a:avLst/>
-          </a:prstGeom>
-          <a:noFill/>
           <a:ln>
             <a:solidFill>
               <a:schemeClr val="tx1"/>
@@ -4773,22 +4930,80 @@
           </a:ln>
         </p:spPr>
         <p:txBody>
-          <a:bodyPr wrap="square" rtlCol="0">
-            <a:spAutoFit/>
-          </a:bodyPr>
-          <a:lstStyle/>
-          <a:p>
-            <a:r>
-              <a:rPr lang="pt-BR" sz="2800" dirty="0"/>
-              <a:t>Aqui temos o que meu site futuramente irá fazer: compras com um carrinho de compras.</a:t>
-            </a:r>
+          <a:bodyPr/>
+          <a:lstStyle/>
+          <a:p>
+            <a:pPr algn="ctr"/>
+            <a:r>
+              <a:rPr lang="pt-BR" dirty="0"/>
+              <a:t>Ideias do projeto</a:t>
+            </a:r>
+          </a:p>
+        </p:txBody>
+      </p:sp>
+      <p:sp>
+        <p:nvSpPr>
+          <p:cNvPr id="3" name="Espaço Reservado para Conteúdo 2">
+            <a:extLst>
+              <a:ext uri="{FF2B5EF4-FFF2-40B4-BE49-F238E27FC236}">
+                <a16:creationId xmlns:a16="http://schemas.microsoft.com/office/drawing/2014/main" id="{C1BC9500-CD8A-9E51-33ED-09A4B8DDF29F}"/>
+              </a:ext>
+            </a:extLst>
+          </p:cNvPr>
+          <p:cNvSpPr>
+            <a:spLocks noGrp="1"/>
+          </p:cNvSpPr>
+          <p:nvPr>
+            <p:ph idx="1"/>
+          </p:nvPr>
+        </p:nvSpPr>
+        <p:spPr>
+          <a:xfrm>
+            <a:off x="838200" y="1825625"/>
+            <a:ext cx="10515600" cy="4275372"/>
+          </a:xfrm>
+          <a:ln>
+            <a:solidFill>
+              <a:schemeClr val="tx1"/>
+            </a:solidFill>
+          </a:ln>
+        </p:spPr>
+        <p:txBody>
+          <a:bodyPr/>
+          <a:lstStyle/>
+          <a:p>
+            <a:r>
+              <a:rPr lang="pt-BR" dirty="0"/>
+              <a:t>Implementar um carrinho de compras;</a:t>
+            </a:r>
+          </a:p>
+          <a:p>
+            <a:r>
+              <a:rPr lang="pt-BR" dirty="0"/>
+              <a:t>Possibilidade de fazer login como cliente, vendedor e administrador;</a:t>
+            </a:r>
+          </a:p>
+          <a:p>
+            <a:r>
+              <a:rPr lang="pt-BR" dirty="0"/>
+              <a:t>Postagem de produtos por administrador e vendedores;</a:t>
+            </a:r>
+          </a:p>
+          <a:p>
+            <a:r>
+              <a:rPr lang="pt-BR" dirty="0"/>
+              <a:t>Exclusão de produtos por parte do administrador,</a:t>
+            </a:r>
+          </a:p>
+          <a:p>
+            <a:endParaRPr lang="pt-BR" dirty="0"/>
           </a:p>
         </p:txBody>
       </p:sp>
     </p:spTree>
     <p:extLst>
       <p:ext uri="{BB962C8B-B14F-4D97-AF65-F5344CB8AC3E}">
-        <p14:creationId xmlns:p14="http://schemas.microsoft.com/office/powerpoint/2010/main" val="1982266924"/>
+        <p14:creationId xmlns:p14="http://schemas.microsoft.com/office/powerpoint/2010/main" val="1764609925"/>
       </p:ext>
     </p:extLst>
   </p:cSld>

--- a/Pré-Projeto.pptx
+++ b/Pré-Projeto.pptx
@@ -131,9 +131,6 @@
             <p14:sldId id="263"/>
             <p14:sldId id="266"/>
           </p14:sldIdLst>
-        </p14:section>
-        <p14:section name="Seção sem Título" id="{0457B88D-CF46-49DB-8E50-45E09E170E9F}">
-          <p14:sldIdLst/>
         </p14:section>
         <p14:section name="imagens do site e explicação dos elementos incluidos" id="{A1499D35-D26B-4C5E-8EB0-51068A5F6DA7}">
           <p14:sldIdLst>
@@ -3614,7 +3611,7 @@
         <p:spPr>
           <a:xfrm>
             <a:off x="494676" y="3935589"/>
-            <a:ext cx="11467475" cy="954107"/>
+            <a:ext cx="11467475" cy="1384995"/>
           </a:xfrm>
           <a:prstGeom prst="rect">
             <a:avLst/>
@@ -3634,7 +3631,7 @@
           <a:p>
             <a:r>
               <a:rPr lang="pt-BR" sz="2800" dirty="0"/>
-              <a:t>Aqui temos o que meu site futuramente irá fazer: compras com um carrinho de compras.</a:t>
+              <a:t>Aqui temos o que meu site futuramente irá fazer: compras com um carrinho de compras armazenando os produtos colocados nele, e futuramente com o banco de dados ligado no HTML do meu site ele irá ser funcional.</a:t>
             </a:r>
           </a:p>
         </p:txBody>
@@ -3986,6 +3983,10 @@
           </p:nvPr>
         </p:nvSpPr>
         <p:spPr>
+          <a:xfrm>
+            <a:off x="838200" y="1825625"/>
+            <a:ext cx="10515600" cy="3420932"/>
+          </a:xfrm>
           <a:ln>
             <a:solidFill>
               <a:schemeClr val="tx1"/>
@@ -3995,6 +3996,12 @@
         <p:txBody>
           <a:bodyPr/>
           <a:lstStyle/>
+          <a:p>
+            <a:pPr marL="0" indent="0">
+              <a:buNone/>
+            </a:pPr>
+            <a:endParaRPr lang="pt-BR" dirty="0"/>
+          </a:p>
           <a:p>
             <a:r>
               <a:rPr lang="pt-BR" sz="2800" dirty="0"/>
@@ -4109,6 +4116,10 @@
           </p:nvPr>
         </p:nvSpPr>
         <p:spPr>
+          <a:xfrm>
+            <a:off x="838200" y="1825625"/>
+            <a:ext cx="10515600" cy="4653182"/>
+          </a:xfrm>
           <a:ln>
             <a:solidFill>
               <a:schemeClr val="tx1"/>
@@ -4120,6 +4131,9 @@
             <a:normAutofit fontScale="92500" lnSpcReduction="10000"/>
           </a:bodyPr>
           <a:lstStyle/>
+          <a:p>
+            <a:endParaRPr lang="pt-BR" sz="2400" dirty="0"/>
+          </a:p>
           <a:p>
             <a:r>
               <a:rPr lang="pt-BR" sz="2400" dirty="0"/>
@@ -4218,20 +4232,13 @@
           </a:p>
           <a:p>
             <a:r>
-              <a:rPr lang="pt-BR" sz="2200" b="0" i="0" dirty="0">
+              <a:rPr lang="pt-BR" sz="2400" b="0" i="0" dirty="0">
                 <a:effectLst/>
                 <a:latin typeface="Lato" panose="020F0502020204030203" pitchFamily="34" charset="0"/>
               </a:rPr>
-              <a:t>Os dois modelos podem ser utilizados de forma complementar, ampliando sua presença online e impulsionando as vendas do seu negócio</a:t>
-            </a:r>
-            <a:r>
-              <a:rPr lang="pt-BR" sz="2600" b="0" i="0" dirty="0">
-                <a:effectLst/>
-                <a:latin typeface="Lato" panose="020F0502020204030203" pitchFamily="34" charset="0"/>
-              </a:rPr>
-              <a:t>.”</a:t>
-            </a:r>
-            <a:endParaRPr lang="pt-BR" sz="3900" dirty="0"/>
+              <a:t>Os dois modelos podem ser utilizados de forma complementar, ampliando sua presença online e impulsionando as vendas do seu negócio.”</a:t>
+            </a:r>
+            <a:endParaRPr lang="pt-BR" sz="2400" dirty="0"/>
           </a:p>
         </p:txBody>
       </p:sp>
@@ -4756,15 +4763,7 @@
             </a:pPr>
             <a:r>
               <a:rPr lang="pt-BR" dirty="0"/>
-              <a:t>Aqui temos o meu </a:t>
-            </a:r>
-            <a:r>
-              <a:rPr lang="pt-BR" dirty="0" err="1"/>
-              <a:t>footer</a:t>
-            </a:r>
-            <a:r>
-              <a:rPr lang="pt-BR" dirty="0"/>
-              <a:t> que no futuro terá um número de suporte, informações como e-mail de contato, etc.</a:t>
+              <a:t>Aqui temos o meu footer que no futuro terá um número de suporte, informações como e-mail de contato, etc.</a:t>
             </a:r>
           </a:p>
           <a:p>
@@ -4858,15 +4857,7 @@
           <a:p>
             <a:r>
               <a:rPr lang="pt-BR" sz="2400" dirty="0"/>
-              <a:t>*</a:t>
-            </a:r>
-            <a:r>
-              <a:rPr lang="pt-BR" sz="2400" dirty="0" err="1"/>
-              <a:t>footer</a:t>
-            </a:r>
-            <a:r>
-              <a:rPr lang="pt-BR" sz="2400" dirty="0"/>
-              <a:t>: é o rodapé onde que possui informações sobre o site, contato, </a:t>
+              <a:t>*footer: é o rodapé onde que possui informações sobre o site, contato, </a:t>
             </a:r>
             <a:r>
               <a:rPr lang="pt-BR" sz="2400" dirty="0" err="1"/>
@@ -4972,6 +4963,12 @@
           <a:bodyPr/>
           <a:lstStyle/>
           <a:p>
+            <a:endParaRPr lang="pt-BR" dirty="0"/>
+          </a:p>
+          <a:p>
+            <a:endParaRPr lang="pt-BR" dirty="0"/>
+          </a:p>
+          <a:p>
             <a:r>
               <a:rPr lang="pt-BR" dirty="0"/>
               <a:t>Implementar um carrinho de compras;</a:t>
@@ -4986,13 +4983,13 @@
           <a:p>
             <a:r>
               <a:rPr lang="pt-BR" dirty="0"/>
-              <a:t>Postagem de produtos por administrador e vendedores;</a:t>
+              <a:t>Postagem de produtos por  vendedores;</a:t>
             </a:r>
           </a:p>
           <a:p>
             <a:r>
               <a:rPr lang="pt-BR" dirty="0"/>
-              <a:t>Exclusão de produtos por parte do administrador,</a:t>
+              <a:t>Exclusão de produtos pelo login de administrador;</a:t>
             </a:r>
           </a:p>
           <a:p>

--- a/Pré-Projeto.pptx
+++ b/Pré-Projeto.pptx
@@ -5,20 +5,21 @@
     <p:sldMasterId id="2147483660" r:id="rId1"/>
   </p:sldMasterIdLst>
   <p:notesMasterIdLst>
-    <p:notesMasterId r:id="rId13"/>
+    <p:notesMasterId r:id="rId14"/>
   </p:notesMasterIdLst>
   <p:sldIdLst>
     <p:sldId id="256" r:id="rId2"/>
     <p:sldId id="264" r:id="rId3"/>
     <p:sldId id="263" r:id="rId4"/>
     <p:sldId id="266" r:id="rId5"/>
-    <p:sldId id="257" r:id="rId6"/>
-    <p:sldId id="262" r:id="rId7"/>
-    <p:sldId id="258" r:id="rId8"/>
-    <p:sldId id="259" r:id="rId9"/>
-    <p:sldId id="260" r:id="rId10"/>
-    <p:sldId id="261" r:id="rId11"/>
-    <p:sldId id="265" r:id="rId12"/>
+    <p:sldId id="267" r:id="rId6"/>
+    <p:sldId id="257" r:id="rId7"/>
+    <p:sldId id="262" r:id="rId8"/>
+    <p:sldId id="258" r:id="rId9"/>
+    <p:sldId id="259" r:id="rId10"/>
+    <p:sldId id="260" r:id="rId11"/>
+    <p:sldId id="261" r:id="rId12"/>
+    <p:sldId id="265" r:id="rId13"/>
   </p:sldIdLst>
   <p:sldSz cx="12192000" cy="6858000"/>
   <p:notesSz cx="6858000" cy="9144000"/>
@@ -130,6 +131,7 @@
             <p14:sldId id="264"/>
             <p14:sldId id="263"/>
             <p14:sldId id="266"/>
+            <p14:sldId id="267"/>
           </p14:sldIdLst>
         </p14:section>
         <p14:section name="imagens do site e explicação dos elementos incluidos" id="{A1499D35-D26B-4C5E-8EB0-51068A5F6DA7}">
@@ -3510,6 +3512,136 @@
       </p:grpSpPr>
       <p:sp>
         <p:nvSpPr>
+          <p:cNvPr id="2" name="Título 1">
+            <a:extLst>
+              <a:ext uri="{FF2B5EF4-FFF2-40B4-BE49-F238E27FC236}">
+                <a16:creationId xmlns:a16="http://schemas.microsoft.com/office/drawing/2014/main" id="{0C4A1FAD-0EA1-4A6A-F5D8-FA79821B5A7D}"/>
+              </a:ext>
+            </a:extLst>
+          </p:cNvPr>
+          <p:cNvSpPr>
+            <a:spLocks noGrp="1"/>
+          </p:cNvSpPr>
+          <p:nvPr>
+            <p:ph type="title"/>
+          </p:nvPr>
+        </p:nvSpPr>
+        <p:spPr>
+          <a:ln>
+            <a:solidFill>
+              <a:schemeClr val="tx1"/>
+            </a:solidFill>
+          </a:ln>
+        </p:spPr>
+        <p:txBody>
+          <a:bodyPr/>
+          <a:lstStyle/>
+          <a:p>
+            <a:pPr algn="ctr"/>
+            <a:r>
+              <a:rPr lang="pt-BR" dirty="0"/>
+              <a:t>Ideias do projeto</a:t>
+            </a:r>
+          </a:p>
+        </p:txBody>
+      </p:sp>
+      <p:sp>
+        <p:nvSpPr>
+          <p:cNvPr id="3" name="Espaço Reservado para Conteúdo 2">
+            <a:extLst>
+              <a:ext uri="{FF2B5EF4-FFF2-40B4-BE49-F238E27FC236}">
+                <a16:creationId xmlns:a16="http://schemas.microsoft.com/office/drawing/2014/main" id="{C1BC9500-CD8A-9E51-33ED-09A4B8DDF29F}"/>
+              </a:ext>
+            </a:extLst>
+          </p:cNvPr>
+          <p:cNvSpPr>
+            <a:spLocks noGrp="1"/>
+          </p:cNvSpPr>
+          <p:nvPr>
+            <p:ph idx="1"/>
+          </p:nvPr>
+        </p:nvSpPr>
+        <p:spPr>
+          <a:xfrm>
+            <a:off x="838200" y="1825625"/>
+            <a:ext cx="10515600" cy="4275372"/>
+          </a:xfrm>
+          <a:ln>
+            <a:solidFill>
+              <a:schemeClr val="tx1"/>
+            </a:solidFill>
+          </a:ln>
+        </p:spPr>
+        <p:txBody>
+          <a:bodyPr/>
+          <a:lstStyle/>
+          <a:p>
+            <a:endParaRPr lang="pt-BR" dirty="0"/>
+          </a:p>
+          <a:p>
+            <a:endParaRPr lang="pt-BR" dirty="0"/>
+          </a:p>
+          <a:p>
+            <a:r>
+              <a:rPr lang="pt-BR" dirty="0"/>
+              <a:t>Implementar um carrinho de compras;</a:t>
+            </a:r>
+          </a:p>
+          <a:p>
+            <a:r>
+              <a:rPr lang="pt-BR" dirty="0"/>
+              <a:t>Possibilidade de fazer login como cliente, vendedor e administrador;</a:t>
+            </a:r>
+          </a:p>
+          <a:p>
+            <a:r>
+              <a:rPr lang="pt-BR" dirty="0"/>
+              <a:t>Postagem de produtos por  vendedores;</a:t>
+            </a:r>
+          </a:p>
+          <a:p>
+            <a:r>
+              <a:rPr lang="pt-BR" dirty="0"/>
+              <a:t>Exclusão de produtos pelo login de administrador;</a:t>
+            </a:r>
+          </a:p>
+          <a:p>
+            <a:endParaRPr lang="pt-BR" dirty="0"/>
+          </a:p>
+        </p:txBody>
+      </p:sp>
+    </p:spTree>
+    <p:extLst>
+      <p:ext uri="{BB962C8B-B14F-4D97-AF65-F5344CB8AC3E}">
+        <p14:creationId xmlns:p14="http://schemas.microsoft.com/office/powerpoint/2010/main" val="1764609925"/>
+      </p:ext>
+    </p:extLst>
+  </p:cSld>
+  <p:clrMapOvr>
+    <a:masterClrMapping/>
+  </p:clrMapOvr>
+</p:sld>
+</file>
+
+<file path=ppt/slides/slide11.xml><?xml version="1.0" encoding="utf-8"?>
+<p:sld xmlns:a="http://schemas.openxmlformats.org/drawingml/2006/main" xmlns:r="http://schemas.openxmlformats.org/officeDocument/2006/relationships" xmlns:p="http://schemas.openxmlformats.org/presentationml/2006/main">
+  <p:cSld>
+    <p:spTree>
+      <p:nvGrpSpPr>
+        <p:cNvPr id="1" name=""/>
+        <p:cNvGrpSpPr/>
+        <p:nvPr/>
+      </p:nvGrpSpPr>
+      <p:grpSpPr>
+        <a:xfrm>
+          <a:off x="0" y="0"/>
+          <a:ext cx="0" cy="0"/>
+          <a:chOff x="0" y="0"/>
+          <a:chExt cx="0" cy="0"/>
+        </a:xfrm>
+      </p:grpSpPr>
+      <p:sp>
+        <p:nvSpPr>
           <p:cNvPr id="3" name="Retângulo 2">
             <a:extLst>
               <a:ext uri="{FF2B5EF4-FFF2-40B4-BE49-F238E27FC236}">
@@ -3649,7 +3781,7 @@
 </p:sld>
 </file>
 
-<file path=ppt/slides/slide11.xml><?xml version="1.0" encoding="utf-8"?>
+<file path=ppt/slides/slide12.xml><?xml version="1.0" encoding="utf-8"?>
 <p:sld xmlns:a="http://schemas.openxmlformats.org/drawingml/2006/main" xmlns:r="http://schemas.openxmlformats.org/officeDocument/2006/relationships" xmlns:p="http://schemas.openxmlformats.org/presentationml/2006/main">
   <p:cSld>
     <p:spTree>
@@ -4118,7 +4250,7 @@
         <p:spPr>
           <a:xfrm>
             <a:off x="838200" y="1825625"/>
-            <a:ext cx="10515600" cy="4653182"/>
+            <a:ext cx="10515600" cy="3843655"/>
           </a:xfrm>
           <a:ln>
             <a:solidFill>
@@ -4128,33 +4260,36 @@
         </p:spPr>
         <p:txBody>
           <a:bodyPr>
-            <a:normAutofit fontScale="92500" lnSpcReduction="10000"/>
+            <a:normAutofit/>
           </a:bodyPr>
           <a:lstStyle/>
           <a:p>
+            <a:pPr marL="0" indent="0">
+              <a:buNone/>
+            </a:pPr>
             <a:endParaRPr lang="pt-BR" sz="2400" dirty="0"/>
           </a:p>
           <a:p>
             <a:r>
-              <a:rPr lang="pt-BR" sz="2400" dirty="0"/>
+              <a:rPr lang="pt-BR" dirty="0"/>
               <a:t>[...] </a:t>
             </a:r>
             <a:r>
-              <a:rPr lang="pt-BR" sz="2400" b="0" i="0" dirty="0">
+              <a:rPr lang="pt-BR" b="0" i="0" dirty="0">
                 <a:effectLst/>
                 <a:latin typeface="Lato" panose="020F0502020204030203" pitchFamily="34" charset="0"/>
               </a:rPr>
               <a:t>O </a:t>
             </a:r>
             <a:r>
-              <a:rPr lang="pt-BR" sz="2400" b="1" i="0" dirty="0">
+              <a:rPr lang="pt-BR" b="1" i="0" dirty="0">
                 <a:effectLst/>
                 <a:latin typeface="Lato" panose="020F0502020204030203" pitchFamily="34" charset="0"/>
               </a:rPr>
               <a:t>e-commerce</a:t>
             </a:r>
             <a:r>
-              <a:rPr lang="pt-BR" sz="2400" b="0" i="0" dirty="0">
+              <a:rPr lang="pt-BR" b="0" i="0" dirty="0">
                 <a:effectLst/>
                 <a:latin typeface="Lato" panose="020F0502020204030203" pitchFamily="34" charset="0"/>
               </a:rPr>
@@ -4163,7 +4298,7 @@
           </a:p>
           <a:p>
             <a:r>
-              <a:rPr lang="pt-BR" sz="1600" b="0" i="0" dirty="0">
+              <a:rPr lang="pt-BR" sz="1800" b="0" i="0" dirty="0">
                 <a:solidFill>
                   <a:srgbClr val="454550"/>
                 </a:solidFill>
@@ -4173,21 +4308,21 @@
               <a:t> </a:t>
             </a:r>
             <a:r>
-              <a:rPr lang="pt-BR" sz="2400" b="0" i="0" dirty="0">
+              <a:rPr lang="pt-BR" b="0" i="0" dirty="0">
                 <a:effectLst/>
                 <a:latin typeface="Lato" panose="020F0502020204030203" pitchFamily="34" charset="0"/>
               </a:rPr>
               <a:t>Muitas pessoas entendem o e-commerce também como sinônimo de </a:t>
             </a:r>
             <a:r>
-              <a:rPr lang="pt-BR" sz="2400" b="1" i="0" dirty="0">
+              <a:rPr lang="pt-BR" b="1" i="0" dirty="0">
                 <a:effectLst/>
                 <a:latin typeface="Lato" panose="020F0502020204030203" pitchFamily="34" charset="0"/>
               </a:rPr>
               <a:t>loja virtual</a:t>
             </a:r>
             <a:r>
-              <a:rPr lang="pt-BR" sz="2400" b="0" i="0" dirty="0">
+              <a:rPr lang="pt-BR" b="0" i="0" dirty="0">
                 <a:effectLst/>
                 <a:latin typeface="Lato" panose="020F0502020204030203" pitchFamily="34" charset="0"/>
               </a:rPr>
@@ -4195,50 +4330,10 @@
             </a:r>
           </a:p>
           <a:p>
-            <a:r>
-              <a:rPr lang="pt-BR" sz="2400" b="0" i="0" dirty="0">
-                <a:effectLst/>
-                <a:latin typeface="Lato" panose="020F0502020204030203" pitchFamily="34" charset="0"/>
-              </a:rPr>
-              <a:t>Diferentemente do </a:t>
-            </a:r>
-            <a:r>
-              <a:rPr lang="pt-BR" sz="2400" b="1" i="0" dirty="0">
-                <a:effectLst/>
-                <a:latin typeface="Lato" panose="020F0502020204030203" pitchFamily="34" charset="0"/>
-              </a:rPr>
-              <a:t>marketplace</a:t>
-            </a:r>
-            <a:r>
-              <a:rPr lang="pt-BR" sz="2400" b="0" i="0" dirty="0">
-                <a:effectLst/>
-                <a:latin typeface="Lato" panose="020F0502020204030203" pitchFamily="34" charset="0"/>
-              </a:rPr>
-              <a:t>, que reúne diferentes lojas em um só ambiente. Ao vender em um marketplace, o empreendedor pode expor seus produtos na vitrine de um site que já têm relevância no mercado.</a:t>
-            </a:r>
-          </a:p>
-          <a:p>
-            <a:r>
-              <a:rPr lang="pt-BR" sz="2400" b="0" i="0" dirty="0">
-                <a:effectLst/>
-                <a:latin typeface="Lato" panose="020F0502020204030203" pitchFamily="34" charset="0"/>
-              </a:rPr>
-              <a:t>Porém, como há várias empresas do mesmo nicho compartilhando o mesmo espaço virtual, pode haver uma forte competição de preços dentro da própria plataforma. [...]</a:t>
-            </a:r>
-            <a:endParaRPr lang="pt-BR" sz="2200" b="0" i="0" dirty="0">
+            <a:endParaRPr lang="pt-BR" b="0" i="0" dirty="0">
               <a:effectLst/>
               <a:latin typeface="Lato" panose="020F0502020204030203" pitchFamily="34" charset="0"/>
             </a:endParaRPr>
-          </a:p>
-          <a:p>
-            <a:r>
-              <a:rPr lang="pt-BR" sz="2400" b="0" i="0" dirty="0">
-                <a:effectLst/>
-                <a:latin typeface="Lato" panose="020F0502020204030203" pitchFamily="34" charset="0"/>
-              </a:rPr>
-              <a:t>Os dois modelos podem ser utilizados de forma complementar, ampliando sua presença online e impulsionando as vendas do seu negócio.”</a:t>
-            </a:r>
-            <a:endParaRPr lang="pt-BR" sz="2400" dirty="0"/>
           </a:p>
         </p:txBody>
       </p:sp>
@@ -4274,6 +4369,121 @@
       </p:grpSpPr>
       <p:sp>
         <p:nvSpPr>
+          <p:cNvPr id="3" name="Espaço Reservado para Conteúdo 2">
+            <a:extLst>
+              <a:ext uri="{FF2B5EF4-FFF2-40B4-BE49-F238E27FC236}">
+                <a16:creationId xmlns:a16="http://schemas.microsoft.com/office/drawing/2014/main" id="{AE9FDCE2-51F2-87E5-01C3-E129092EA93F}"/>
+              </a:ext>
+            </a:extLst>
+          </p:cNvPr>
+          <p:cNvSpPr>
+            <a:spLocks noGrp="1"/>
+          </p:cNvSpPr>
+          <p:nvPr>
+            <p:ph idx="1"/>
+          </p:nvPr>
+        </p:nvSpPr>
+        <p:spPr>
+          <a:xfrm>
+            <a:off x="838200" y="956603"/>
+            <a:ext cx="10515600" cy="4979963"/>
+          </a:xfrm>
+          <a:ln>
+            <a:solidFill>
+              <a:schemeClr val="tx1"/>
+            </a:solidFill>
+          </a:ln>
+        </p:spPr>
+        <p:txBody>
+          <a:bodyPr>
+            <a:normAutofit/>
+          </a:bodyPr>
+          <a:lstStyle/>
+          <a:p>
+            <a:endParaRPr lang="pt-BR" sz="2800" b="0" i="0" dirty="0">
+              <a:effectLst/>
+              <a:latin typeface="Lato" panose="020F0502020204030203" pitchFamily="34" charset="0"/>
+            </a:endParaRPr>
+          </a:p>
+          <a:p>
+            <a:r>
+              <a:rPr lang="pt-BR" sz="2800" b="0" i="0" dirty="0">
+                <a:effectLst/>
+                <a:latin typeface="Lato" panose="020F0502020204030203" pitchFamily="34" charset="0"/>
+              </a:rPr>
+              <a:t>Diferentemente do </a:t>
+            </a:r>
+            <a:r>
+              <a:rPr lang="pt-BR" sz="2800" b="1" i="0" dirty="0">
+                <a:effectLst/>
+                <a:latin typeface="Lato" panose="020F0502020204030203" pitchFamily="34" charset="0"/>
+              </a:rPr>
+              <a:t>marketplace</a:t>
+            </a:r>
+            <a:r>
+              <a:rPr lang="pt-BR" sz="2800" b="0" i="0" dirty="0">
+                <a:effectLst/>
+                <a:latin typeface="Lato" panose="020F0502020204030203" pitchFamily="34" charset="0"/>
+              </a:rPr>
+              <a:t>, que reúne diferentes lojas em um só ambiente. Ao vender em um marketplace, o empreendedor pode expor seus produtos na vitrine de um site que já têm relevância no mercado.</a:t>
+            </a:r>
+          </a:p>
+          <a:p>
+            <a:r>
+              <a:rPr lang="pt-BR" sz="2800" b="0" i="0" dirty="0">
+                <a:effectLst/>
+                <a:latin typeface="Lato" panose="020F0502020204030203" pitchFamily="34" charset="0"/>
+              </a:rPr>
+              <a:t>Porém, como há várias empresas do mesmo nicho compartilhando o mesmo espaço virtual, pode haver uma forte competição de preços dentro da própria plataforma. [...]</a:t>
+            </a:r>
+          </a:p>
+          <a:p>
+            <a:r>
+              <a:rPr lang="pt-BR" sz="2800" b="0" i="0" dirty="0">
+                <a:effectLst/>
+                <a:latin typeface="Lato" panose="020F0502020204030203" pitchFamily="34" charset="0"/>
+              </a:rPr>
+              <a:t>Os dois modelos podem ser utilizados de forma complementar, ampliando sua presença online e impulsionando as vendas do seu negócio.”</a:t>
+            </a:r>
+            <a:endParaRPr lang="pt-BR" sz="2800" dirty="0"/>
+          </a:p>
+          <a:p>
+            <a:endParaRPr lang="pt-BR" dirty="0"/>
+          </a:p>
+        </p:txBody>
+      </p:sp>
+    </p:spTree>
+    <p:extLst>
+      <p:ext uri="{BB962C8B-B14F-4D97-AF65-F5344CB8AC3E}">
+        <p14:creationId xmlns:p14="http://schemas.microsoft.com/office/powerpoint/2010/main" val="650620212"/>
+      </p:ext>
+    </p:extLst>
+  </p:cSld>
+  <p:clrMapOvr>
+    <a:masterClrMapping/>
+  </p:clrMapOvr>
+</p:sld>
+</file>
+
+<file path=ppt/slides/slide6.xml><?xml version="1.0" encoding="utf-8"?>
+<p:sld xmlns:a="http://schemas.openxmlformats.org/drawingml/2006/main" xmlns:r="http://schemas.openxmlformats.org/officeDocument/2006/relationships" xmlns:p="http://schemas.openxmlformats.org/presentationml/2006/main">
+  <p:cSld>
+    <p:spTree>
+      <p:nvGrpSpPr>
+        <p:cNvPr id="1" name=""/>
+        <p:cNvGrpSpPr/>
+        <p:nvPr/>
+      </p:nvGrpSpPr>
+      <p:grpSpPr>
+        <a:xfrm>
+          <a:off x="0" y="0"/>
+          <a:ext cx="0" cy="0"/>
+          <a:chOff x="0" y="0"/>
+          <a:chExt cx="0" cy="0"/>
+        </a:xfrm>
+      </p:grpSpPr>
+      <p:sp>
+        <p:nvSpPr>
           <p:cNvPr id="6" name="CaixaDeTexto 5">
             <a:extLst>
               <a:ext uri="{FF2B5EF4-FFF2-40B4-BE49-F238E27FC236}">
@@ -4431,7 +4641,7 @@
 </p:sld>
 </file>
 
-<file path=ppt/slides/slide6.xml><?xml version="1.0" encoding="utf-8"?>
+<file path=ppt/slides/slide7.xml><?xml version="1.0" encoding="utf-8"?>
 <p:sld xmlns:a="http://schemas.openxmlformats.org/drawingml/2006/main" xmlns:r="http://schemas.openxmlformats.org/officeDocument/2006/relationships" xmlns:p="http://schemas.openxmlformats.org/presentationml/2006/main">
   <p:cSld>
     <p:spTree>
@@ -4567,7 +4777,7 @@
 </p:sld>
 </file>
 
-<file path=ppt/slides/slide7.xml><?xml version="1.0" encoding="utf-8"?>
+<file path=ppt/slides/slide8.xml><?xml version="1.0" encoding="utf-8"?>
 <p:sld xmlns:a="http://schemas.openxmlformats.org/drawingml/2006/main" xmlns:r="http://schemas.openxmlformats.org/officeDocument/2006/relationships" xmlns:p="http://schemas.openxmlformats.org/presentationml/2006/main">
   <p:cSld>
     <p:spTree>
@@ -4704,7 +4914,7 @@
 </p:sld>
 </file>
 
-<file path=ppt/slides/slide8.xml><?xml version="1.0" encoding="utf-8"?>
+<file path=ppt/slides/slide9.xml><?xml version="1.0" encoding="utf-8"?>
 <p:sld xmlns:a="http://schemas.openxmlformats.org/drawingml/2006/main" xmlns:r="http://schemas.openxmlformats.org/officeDocument/2006/relationships" xmlns:p="http://schemas.openxmlformats.org/presentationml/2006/main">
   <p:cSld>
     <p:spTree>
@@ -4871,136 +5081,6 @@
     <p:extLst>
       <p:ext uri="{BB962C8B-B14F-4D97-AF65-F5344CB8AC3E}">
         <p14:creationId xmlns:p14="http://schemas.microsoft.com/office/powerpoint/2010/main" val="241973900"/>
-      </p:ext>
-    </p:extLst>
-  </p:cSld>
-  <p:clrMapOvr>
-    <a:masterClrMapping/>
-  </p:clrMapOvr>
-</p:sld>
-</file>
-
-<file path=ppt/slides/slide9.xml><?xml version="1.0" encoding="utf-8"?>
-<p:sld xmlns:a="http://schemas.openxmlformats.org/drawingml/2006/main" xmlns:r="http://schemas.openxmlformats.org/officeDocument/2006/relationships" xmlns:p="http://schemas.openxmlformats.org/presentationml/2006/main">
-  <p:cSld>
-    <p:spTree>
-      <p:nvGrpSpPr>
-        <p:cNvPr id="1" name=""/>
-        <p:cNvGrpSpPr/>
-        <p:nvPr/>
-      </p:nvGrpSpPr>
-      <p:grpSpPr>
-        <a:xfrm>
-          <a:off x="0" y="0"/>
-          <a:ext cx="0" cy="0"/>
-          <a:chOff x="0" y="0"/>
-          <a:chExt cx="0" cy="0"/>
-        </a:xfrm>
-      </p:grpSpPr>
-      <p:sp>
-        <p:nvSpPr>
-          <p:cNvPr id="2" name="Título 1">
-            <a:extLst>
-              <a:ext uri="{FF2B5EF4-FFF2-40B4-BE49-F238E27FC236}">
-                <a16:creationId xmlns:a16="http://schemas.microsoft.com/office/drawing/2014/main" id="{0C4A1FAD-0EA1-4A6A-F5D8-FA79821B5A7D}"/>
-              </a:ext>
-            </a:extLst>
-          </p:cNvPr>
-          <p:cNvSpPr>
-            <a:spLocks noGrp="1"/>
-          </p:cNvSpPr>
-          <p:nvPr>
-            <p:ph type="title"/>
-          </p:nvPr>
-        </p:nvSpPr>
-        <p:spPr>
-          <a:ln>
-            <a:solidFill>
-              <a:schemeClr val="tx1"/>
-            </a:solidFill>
-          </a:ln>
-        </p:spPr>
-        <p:txBody>
-          <a:bodyPr/>
-          <a:lstStyle/>
-          <a:p>
-            <a:pPr algn="ctr"/>
-            <a:r>
-              <a:rPr lang="pt-BR" dirty="0"/>
-              <a:t>Ideias do projeto</a:t>
-            </a:r>
-          </a:p>
-        </p:txBody>
-      </p:sp>
-      <p:sp>
-        <p:nvSpPr>
-          <p:cNvPr id="3" name="Espaço Reservado para Conteúdo 2">
-            <a:extLst>
-              <a:ext uri="{FF2B5EF4-FFF2-40B4-BE49-F238E27FC236}">
-                <a16:creationId xmlns:a16="http://schemas.microsoft.com/office/drawing/2014/main" id="{C1BC9500-CD8A-9E51-33ED-09A4B8DDF29F}"/>
-              </a:ext>
-            </a:extLst>
-          </p:cNvPr>
-          <p:cNvSpPr>
-            <a:spLocks noGrp="1"/>
-          </p:cNvSpPr>
-          <p:nvPr>
-            <p:ph idx="1"/>
-          </p:nvPr>
-        </p:nvSpPr>
-        <p:spPr>
-          <a:xfrm>
-            <a:off x="838200" y="1825625"/>
-            <a:ext cx="10515600" cy="4275372"/>
-          </a:xfrm>
-          <a:ln>
-            <a:solidFill>
-              <a:schemeClr val="tx1"/>
-            </a:solidFill>
-          </a:ln>
-        </p:spPr>
-        <p:txBody>
-          <a:bodyPr/>
-          <a:lstStyle/>
-          <a:p>
-            <a:endParaRPr lang="pt-BR" dirty="0"/>
-          </a:p>
-          <a:p>
-            <a:endParaRPr lang="pt-BR" dirty="0"/>
-          </a:p>
-          <a:p>
-            <a:r>
-              <a:rPr lang="pt-BR" dirty="0"/>
-              <a:t>Implementar um carrinho de compras;</a:t>
-            </a:r>
-          </a:p>
-          <a:p>
-            <a:r>
-              <a:rPr lang="pt-BR" dirty="0"/>
-              <a:t>Possibilidade de fazer login como cliente, vendedor e administrador;</a:t>
-            </a:r>
-          </a:p>
-          <a:p>
-            <a:r>
-              <a:rPr lang="pt-BR" dirty="0"/>
-              <a:t>Postagem de produtos por  vendedores;</a:t>
-            </a:r>
-          </a:p>
-          <a:p>
-            <a:r>
-              <a:rPr lang="pt-BR" dirty="0"/>
-              <a:t>Exclusão de produtos pelo login de administrador;</a:t>
-            </a:r>
-          </a:p>
-          <a:p>
-            <a:endParaRPr lang="pt-BR" dirty="0"/>
-          </a:p>
-        </p:txBody>
-      </p:sp>
-    </p:spTree>
-    <p:extLst>
-      <p:ext uri="{BB962C8B-B14F-4D97-AF65-F5344CB8AC3E}">
-        <p14:creationId xmlns:p14="http://schemas.microsoft.com/office/powerpoint/2010/main" val="1764609925"/>
       </p:ext>
     </p:extLst>
   </p:cSld>

--- a/Pré-Projeto.pptx
+++ b/Pré-Projeto.pptx
@@ -5,7 +5,7 @@
     <p:sldMasterId id="2147483660" r:id="rId1"/>
   </p:sldMasterIdLst>
   <p:notesMasterIdLst>
-    <p:notesMasterId r:id="rId14"/>
+    <p:notesMasterId r:id="rId15"/>
   </p:notesMasterIdLst>
   <p:sldIdLst>
     <p:sldId id="256" r:id="rId2"/>
@@ -20,6 +20,7 @@
     <p:sldId id="260" r:id="rId11"/>
     <p:sldId id="261" r:id="rId12"/>
     <p:sldId id="265" r:id="rId13"/>
+    <p:sldId id="268" r:id="rId14"/>
   </p:sldIdLst>
   <p:sldSz cx="12192000" cy="6858000"/>
   <p:notesSz cx="6858000" cy="9144000"/>
@@ -155,6 +156,7 @@
         <p14:section name="fontes" id="{1ADA4287-0F91-4B64-AF48-52AF09269971}">
           <p14:sldIdLst>
             <p14:sldId id="265"/>
+            <p14:sldId id="268"/>
           </p14:sldIdLst>
         </p14:section>
       </p14:sectionLst>
@@ -3606,6 +3608,17 @@
             </a:r>
           </a:p>
           <a:p>
+            <a:r>
+              <a:rPr lang="pt-BR" dirty="0"/>
+              <a:t>Calculo de total e </a:t>
+            </a:r>
+            <a:r>
+              <a:rPr lang="pt-BR"/>
+              <a:t>impostos descontados.</a:t>
+            </a:r>
+            <a:endParaRPr lang="pt-BR" dirty="0"/>
+          </a:p>
+          <a:p>
             <a:endParaRPr lang="pt-BR" dirty="0"/>
           </a:p>
         </p:txBody>
@@ -3861,18 +3874,131 @@
               <a:t>https://pagar.me/blog/marketplace/?utm_source=google&amp;utm_medium=cpc&amp;utm_campaign=dsa&amp;origin=search&amp;media=google&amp;type=pago&amp;campaign=11366699401&amp;ad_group=118179479464&amp;ad=651857057688&amp;theme=&amp;gad_source=1&amp;gclid=EAIaIQobChMIiNarjPPfhAMVLWFIAB04Qw4lEAAYASAAEgKBIvD_BwE</a:t>
             </a:r>
           </a:p>
-          <a:p>
-            <a:pPr marL="0" indent="0">
-              <a:buNone/>
-            </a:pPr>
-            <a:endParaRPr lang="pt-BR" sz="2000" dirty="0"/>
-          </a:p>
         </p:txBody>
       </p:sp>
     </p:spTree>
     <p:extLst>
       <p:ext uri="{BB962C8B-B14F-4D97-AF65-F5344CB8AC3E}">
         <p14:creationId xmlns:p14="http://schemas.microsoft.com/office/powerpoint/2010/main" val="2292628636"/>
+      </p:ext>
+    </p:extLst>
+  </p:cSld>
+  <p:clrMapOvr>
+    <a:masterClrMapping/>
+  </p:clrMapOvr>
+</p:sld>
+</file>
+
+<file path=ppt/slides/slide13.xml><?xml version="1.0" encoding="utf-8"?>
+<p:sld xmlns:a="http://schemas.openxmlformats.org/drawingml/2006/main" xmlns:r="http://schemas.openxmlformats.org/officeDocument/2006/relationships" xmlns:p="http://schemas.openxmlformats.org/presentationml/2006/main">
+  <p:cSld>
+    <p:spTree>
+      <p:nvGrpSpPr>
+        <p:cNvPr id="1" name=""/>
+        <p:cNvGrpSpPr/>
+        <p:nvPr/>
+      </p:nvGrpSpPr>
+      <p:grpSpPr>
+        <a:xfrm>
+          <a:off x="0" y="0"/>
+          <a:ext cx="0" cy="0"/>
+          <a:chOff x="0" y="0"/>
+          <a:chExt cx="0" cy="0"/>
+        </a:xfrm>
+      </p:grpSpPr>
+      <p:sp>
+        <p:nvSpPr>
+          <p:cNvPr id="2" name="Título 1">
+            <a:extLst>
+              <a:ext uri="{FF2B5EF4-FFF2-40B4-BE49-F238E27FC236}">
+                <a16:creationId xmlns:a16="http://schemas.microsoft.com/office/drawing/2014/main" id="{402ED360-1DC5-4B7E-165E-A9725B407615}"/>
+              </a:ext>
+            </a:extLst>
+          </p:cNvPr>
+          <p:cNvSpPr>
+            <a:spLocks noGrp="1"/>
+          </p:cNvSpPr>
+          <p:nvPr>
+            <p:ph type="title"/>
+          </p:nvPr>
+        </p:nvSpPr>
+        <p:spPr/>
+        <p:txBody>
+          <a:bodyPr>
+            <a:normAutofit/>
+          </a:bodyPr>
+          <a:lstStyle/>
+          <a:p>
+            <a:r>
+              <a:rPr lang="pt-BR" sz="7200" dirty="0"/>
+              <a:t>Conclusão:</a:t>
+            </a:r>
+          </a:p>
+        </p:txBody>
+      </p:sp>
+      <p:sp>
+        <p:nvSpPr>
+          <p:cNvPr id="3" name="Espaço Reservado para Conteúdo 2">
+            <a:extLst>
+              <a:ext uri="{FF2B5EF4-FFF2-40B4-BE49-F238E27FC236}">
+                <a16:creationId xmlns:a16="http://schemas.microsoft.com/office/drawing/2014/main" id="{E7C9140D-29B6-8A84-10BE-E57B3A93C880}"/>
+              </a:ext>
+            </a:extLst>
+          </p:cNvPr>
+          <p:cNvSpPr>
+            <a:spLocks noGrp="1"/>
+          </p:cNvSpPr>
+          <p:nvPr>
+            <p:ph idx="1"/>
+          </p:nvPr>
+        </p:nvSpPr>
+        <p:spPr>
+          <a:ln>
+            <a:solidFill>
+              <a:schemeClr val="tx1"/>
+            </a:solidFill>
+          </a:ln>
+        </p:spPr>
+        <p:txBody>
+          <a:bodyPr/>
+          <a:lstStyle/>
+          <a:p>
+            <a:r>
+              <a:rPr lang="pt-BR" dirty="0"/>
+              <a:t>Espero não ter cometido nenhum crime na citação dos 5 primeiros slides.</a:t>
+            </a:r>
+          </a:p>
+          <a:p>
+            <a:pPr marL="0" indent="0">
+              <a:buNone/>
+            </a:pPr>
+            <a:r>
+              <a:rPr lang="pt-BR" dirty="0"/>
+              <a:t>	</a:t>
+            </a:r>
+          </a:p>
+          <a:p>
+            <a:pPr marL="0" indent="0">
+              <a:buNone/>
+            </a:pPr>
+            <a:endParaRPr lang="pt-BR" dirty="0"/>
+          </a:p>
+          <a:p>
+            <a:pPr marL="0" indent="0">
+              <a:buNone/>
+            </a:pPr>
+            <a:r>
+              <a:rPr lang="pt-BR" sz="5400" dirty="0"/>
+              <a:t>	Muito obrigado pela atenção</a:t>
+            </a:r>
+            <a:endParaRPr lang="pt-BR" dirty="0"/>
+          </a:p>
+        </p:txBody>
+      </p:sp>
+    </p:spTree>
+    <p:extLst>
+      <p:ext uri="{BB962C8B-B14F-4D97-AF65-F5344CB8AC3E}">
+        <p14:creationId xmlns:p14="http://schemas.microsoft.com/office/powerpoint/2010/main" val="2150974202"/>
       </p:ext>
     </p:extLst>
   </p:cSld>
